--- a/de56/files/bizmodeltoolkit_b.pptx
+++ b/de56/files/bizmodeltoolkit_b.pptx
@@ -8754,32 +8754,6 @@
           </p:txBody>
         </p:sp>
       </p:grpSp>
-      <p:cxnSp>
-        <p:nvCxnSpPr>
-          <p:cNvPr id="495" name="Google Shape;495;p27"/>
-          <p:cNvCxnSpPr/>
-          <p:nvPr/>
-        </p:nvCxnSpPr>
-        <p:spPr>
-          <a:xfrm>
-            <a:off x="7441625" y="4579499"/>
-            <a:ext cx="1200000" cy="0"/>
-          </a:xfrm>
-          <a:prstGeom prst="straightConnector1">
-            <a:avLst/>
-          </a:prstGeom>
-          <a:noFill/>
-          <a:ln w="28575" cap="flat" cmpd="sng">
-            <a:solidFill>
-              <a:srgbClr val="000000"/>
-            </a:solidFill>
-            <a:prstDash val="solid"/>
-            <a:miter lim="400000"/>
-            <a:headEnd type="none" w="sm" len="sm"/>
-            <a:tailEnd type="stealth" w="lg" len="lg"/>
-          </a:ln>
-        </p:spPr>
-      </p:cxnSp>
       <p:sp>
         <p:nvSpPr>
           <p:cNvPr id="496" name="Google Shape;496;p27"/>
@@ -9115,18 +9089,10 @@
               <a:buNone/>
             </a:pPr>
             <a:r>
-              <a:rPr lang="ja" sz="1800" b="1" i="0" u="none" strike="noStrike" cap="none">
-                <a:solidFill>
-                  <a:srgbClr val="000000"/>
-                </a:solidFill>
-                <a:latin typeface="Arial"/>
-                <a:ea typeface="Arial"/>
-                <a:cs typeface="Arial"/>
-                <a:sym typeface="Arial"/>
-              </a:rPr>
-              <a:t>利用者</a:t>
+              <a:rPr lang="ja-JP" altLang="en-US" sz="1800" b="1" dirty="0"/>
+              <a:t>ユーザー</a:t>
             </a:r>
-            <a:endParaRPr sz="1000" b="1" i="0" u="none" strike="noStrike" cap="none">
+            <a:endParaRPr sz="1000" b="1" i="0" u="none" strike="noStrike" cap="none" dirty="0">
               <a:solidFill>
                 <a:srgbClr val="000000"/>
               </a:solidFill>
@@ -9274,74 +9240,6 @@
       </p:sp>
       <p:sp>
         <p:nvSpPr>
-          <p:cNvPr id="504" name="Google Shape;504;p27"/>
-          <p:cNvSpPr txBox="1"/>
-          <p:nvPr/>
-        </p:nvSpPr>
-        <p:spPr>
-          <a:xfrm>
-            <a:off x="9505825" y="3148450"/>
-            <a:ext cx="1086000" cy="409500"/>
-          </a:xfrm>
-          <a:prstGeom prst="rect">
-            <a:avLst/>
-          </a:prstGeom>
-          <a:solidFill>
-            <a:srgbClr val="FFFFFF"/>
-          </a:solidFill>
-          <a:ln>
-            <a:noFill/>
-          </a:ln>
-        </p:spPr>
-        <p:txBody>
-          <a:bodyPr spcFirstLastPara="1" wrap="square" lIns="36150" tIns="36150" rIns="36150" bIns="36150" anchor="ctr" anchorCtr="0">
-            <a:noAutofit/>
-          </a:bodyPr>
-          <a:lstStyle/>
-          <a:p>
-            <a:pPr marL="0" marR="0" lvl="0" indent="0" algn="l" rtl="0">
-              <a:lnSpc>
-                <a:spcPct val="100000"/>
-              </a:lnSpc>
-              <a:spcBef>
-                <a:spcPts val="0"/>
-              </a:spcBef>
-              <a:spcAft>
-                <a:spcPts val="0"/>
-              </a:spcAft>
-              <a:buClr>
-                <a:srgbClr val="000000"/>
-              </a:buClr>
-              <a:buSzPts val="1000"/>
-              <a:buFont typeface="Arial"/>
-              <a:buNone/>
-            </a:pPr>
-            <a:r>
-              <a:rPr lang="ja" sz="1400" b="0" i="0" u="none" strike="noStrike" cap="none">
-                <a:solidFill>
-                  <a:srgbClr val="000000"/>
-                </a:solidFill>
-                <a:latin typeface="Arial"/>
-                <a:ea typeface="Arial"/>
-                <a:cs typeface="Arial"/>
-                <a:sym typeface="Arial"/>
-              </a:rPr>
-              <a:t>情報の流れ</a:t>
-            </a:r>
-            <a:endParaRPr sz="1400" b="0" i="0" u="none" strike="noStrike" cap="none">
-              <a:solidFill>
-                <a:srgbClr val="000000"/>
-              </a:solidFill>
-              <a:latin typeface="Arial"/>
-              <a:ea typeface="Arial"/>
-              <a:cs typeface="Arial"/>
-              <a:sym typeface="Arial"/>
-            </a:endParaRPr>
-          </a:p>
-        </p:txBody>
-      </p:sp>
-      <p:sp>
-        <p:nvSpPr>
           <p:cNvPr id="505" name="Google Shape;505;p27"/>
           <p:cNvSpPr txBox="1"/>
           <p:nvPr/>
@@ -9449,30 +9347,10 @@
               <a:buNone/>
             </a:pPr>
             <a:r>
-              <a:rPr lang="ja-JP" altLang="en-US" sz="1800" b="1" i="0" u="none" strike="noStrike" cap="none">
-                <a:solidFill>
-                  <a:srgbClr val="000000"/>
-                </a:solidFill>
-                <a:latin typeface="Arial"/>
-                <a:ea typeface="Arial"/>
-                <a:cs typeface="Arial"/>
-                <a:sym typeface="Arial"/>
-              </a:rPr>
-              <a:t>顧客</a:t>
+              <a:rPr lang="ja-JP" altLang="en-US" sz="1800" b="1" dirty="0"/>
+              <a:t>水筒</a:t>
             </a:r>
-            <a:r>
-              <a:rPr lang="ja" sz="1800" b="1" i="0" u="none" strike="noStrike" cap="none">
-                <a:solidFill>
-                  <a:srgbClr val="000000"/>
-                </a:solidFill>
-                <a:latin typeface="Arial"/>
-                <a:ea typeface="Arial"/>
-                <a:cs typeface="Arial"/>
-                <a:sym typeface="Arial"/>
-              </a:rPr>
-              <a:t>価値</a:t>
-            </a:r>
-            <a:endParaRPr sz="1000" b="1" i="0" u="none" strike="noStrike" cap="none">
+            <a:endParaRPr lang="en-US" altLang="ja" sz="1800" b="1" i="0" u="none" strike="noStrike" cap="none" dirty="0">
               <a:solidFill>
                 <a:srgbClr val="000000"/>
               </a:solidFill>
@@ -9492,7 +9370,7 @@
         </p:nvSpPr>
         <p:spPr>
           <a:xfrm>
-            <a:off x="8443498" y="5269247"/>
+            <a:off x="8454292" y="5466842"/>
             <a:ext cx="1672500" cy="304800"/>
           </a:xfrm>
           <a:prstGeom prst="rect">
@@ -9527,26 +9405,10 @@
               <a:buNone/>
             </a:pPr>
             <a:r>
-              <a:rPr lang="ja" sz="1800" b="1" i="0" u="none" strike="noStrike" cap="none">
-                <a:solidFill>
-                  <a:srgbClr val="000000"/>
-                </a:solidFill>
-                <a:latin typeface="Arial"/>
-                <a:ea typeface="Arial"/>
-                <a:cs typeface="Arial"/>
-                <a:sym typeface="Arial"/>
-              </a:rPr>
-              <a:t>事業価値</a:t>
+              <a:rPr lang="ja-JP" altLang="en-US" sz="1800" b="1" dirty="0"/>
+              <a:t>プラスチック削減</a:t>
             </a:r>
-            <a:endParaRPr sz="1000" b="1" i="0" u="none" strike="noStrike" cap="none">
-              <a:solidFill>
-                <a:srgbClr val="000000"/>
-              </a:solidFill>
-              <a:latin typeface="Arial"/>
-              <a:ea typeface="Arial"/>
-              <a:cs typeface="Arial"/>
-              <a:sym typeface="Arial"/>
-            </a:endParaRPr>
+            <a:endParaRPr lang="en-US" altLang="ja-JP" sz="1800" b="1" dirty="0"/>
           </a:p>
         </p:txBody>
       </p:sp>
@@ -9588,18 +9450,10 @@
               <a:buNone/>
             </a:pPr>
             <a:r>
-              <a:rPr lang="ja" sz="1200" b="0" i="0" u="none" strike="noStrike" cap="none">
-                <a:solidFill>
-                  <a:srgbClr val="000000"/>
-                </a:solidFill>
-                <a:latin typeface="Arial"/>
-                <a:ea typeface="Arial"/>
-                <a:cs typeface="Arial"/>
-                <a:sym typeface="Arial"/>
-              </a:rPr>
-              <a:t>ビジネスモデルで重要な情報を補足コメントとして入れる</a:t>
+              <a:rPr lang="ja-JP" altLang="en-US" sz="1200" dirty="0"/>
+              <a:t>売り上げデータを活用できる</a:t>
             </a:r>
-            <a:endParaRPr sz="1200" b="0" i="0" u="none" strike="noStrike" cap="none">
+            <a:endParaRPr sz="1200" b="0" i="0" u="none" strike="noStrike" cap="none" dirty="0">
               <a:solidFill>
                 <a:srgbClr val="000000"/>
               </a:solidFill>
@@ -9904,7 +9758,15 @@
               <a:buNone/>
             </a:pPr>
             <a:r>
-              <a:rPr lang="ja" sz="3000" b="0" i="0" u="none" strike="noStrike" cap="none">
+              <a:rPr lang="ja-JP" altLang="en-US" sz="2800" dirty="0">
+                <a:solidFill>
+                  <a:srgbClr val="434343"/>
+                </a:solidFill>
+              </a:rPr>
+              <a:t>ボトルメイト</a:t>
+            </a:r>
+            <a:r>
+              <a:rPr lang="ja" sz="2800" b="0" i="0" u="none" strike="noStrike" cap="none" dirty="0">
                 <a:solidFill>
                   <a:srgbClr val="434343"/>
                 </a:solidFill>
@@ -9913,9 +9775,21 @@
                 <a:cs typeface="Arial"/>
                 <a:sym typeface="Arial"/>
               </a:rPr>
-              <a:t>事業名：事業のひとこと説明</a:t>
+              <a:t>：</a:t>
             </a:r>
-            <a:endParaRPr sz="3000" b="0" i="0" u="none" strike="noStrike" cap="none">
+            <a:r>
+              <a:rPr lang="ja-JP" altLang="en-US" sz="2800" b="0" i="0" u="none" strike="noStrike" cap="none" dirty="0">
+                <a:solidFill>
+                  <a:srgbClr val="434343"/>
+                </a:solidFill>
+                <a:latin typeface="Arial"/>
+                <a:ea typeface="Arial"/>
+                <a:cs typeface="Arial"/>
+                <a:sym typeface="Arial"/>
+              </a:rPr>
+              <a:t>専用ボトルで月額飲み放題、ペットボトル削減に貢献するサブスク</a:t>
+            </a:r>
+            <a:endParaRPr sz="2800" b="0" i="0" u="none" strike="noStrike" cap="none" dirty="0">
               <a:solidFill>
                 <a:srgbClr val="434343"/>
               </a:solidFill>
@@ -10546,7 +10420,7 @@
         </p:nvSpPr>
         <p:spPr>
           <a:xfrm>
-            <a:off x="8111240" y="7921109"/>
+            <a:off x="8244224" y="8058172"/>
             <a:ext cx="2321400" cy="304800"/>
           </a:xfrm>
           <a:prstGeom prst="rect">
@@ -10581,120 +10455,10 @@
               <a:buNone/>
             </a:pPr>
             <a:r>
-              <a:rPr lang="ja" sz="1800" b="1" i="0" u="none" strike="noStrike" cap="none">
-                <a:solidFill>
-                  <a:srgbClr val="000000"/>
-                </a:solidFill>
-                <a:latin typeface="Arial"/>
-                <a:ea typeface="Arial"/>
-                <a:cs typeface="Arial"/>
-                <a:sym typeface="Arial"/>
-              </a:rPr>
-              <a:t>関係会社など</a:t>
+              <a:rPr lang="ja-JP" altLang="en-US" sz="1800" b="1" dirty="0"/>
+              <a:t>飲料メーカー</a:t>
             </a:r>
-            <a:endParaRPr sz="1000" b="1" i="0" u="none" strike="noStrike" cap="none">
-              <a:solidFill>
-                <a:srgbClr val="000000"/>
-              </a:solidFill>
-              <a:latin typeface="Arial"/>
-              <a:ea typeface="Arial"/>
-              <a:cs typeface="Arial"/>
-              <a:sym typeface="Arial"/>
-            </a:endParaRPr>
-          </a:p>
-        </p:txBody>
-      </p:sp>
-      <p:cxnSp>
-        <p:nvCxnSpPr>
-          <p:cNvPr id="527" name="Google Shape;527;p27"/>
-          <p:cNvCxnSpPr/>
-          <p:nvPr/>
-        </p:nvCxnSpPr>
-        <p:spPr>
-          <a:xfrm>
-            <a:off x="7425575" y="7209865"/>
-            <a:ext cx="1261500" cy="0"/>
-          </a:xfrm>
-          <a:prstGeom prst="straightConnector1">
-            <a:avLst/>
-          </a:prstGeom>
-          <a:noFill/>
-          <a:ln w="28575" cap="flat" cmpd="sng">
-            <a:solidFill>
-              <a:srgbClr val="000000"/>
-            </a:solidFill>
-            <a:prstDash val="solid"/>
-            <a:miter lim="400000"/>
-            <a:headEnd type="stealth" w="med" len="med"/>
-            <a:tailEnd type="none" w="sm" len="sm"/>
-          </a:ln>
-        </p:spPr>
-      </p:cxnSp>
-      <p:sp>
-        <p:nvSpPr>
-          <p:cNvPr id="528" name="Google Shape;528;p27"/>
-          <p:cNvSpPr/>
-          <p:nvPr/>
-        </p:nvSpPr>
-        <p:spPr>
-          <a:xfrm>
-            <a:off x="7922834" y="7079627"/>
-            <a:ext cx="267000" cy="274500"/>
-          </a:xfrm>
-          <a:prstGeom prst="roundRect">
-            <a:avLst>
-              <a:gd name="adj" fmla="val 22790"/>
-            </a:avLst>
-          </a:prstGeom>
-          <a:solidFill>
-            <a:srgbClr val="FFFC41"/>
-          </a:solidFill>
-          <a:ln w="28575" cap="flat" cmpd="sng">
-            <a:solidFill>
-              <a:srgbClr val="000000"/>
-            </a:solidFill>
-            <a:prstDash val="solid"/>
-            <a:miter lim="400000"/>
-            <a:headEnd type="none" w="sm" len="sm"/>
-            <a:tailEnd type="none" w="sm" len="sm"/>
-          </a:ln>
-        </p:spPr>
-        <p:txBody>
-          <a:bodyPr spcFirstLastPara="1" wrap="square" lIns="36150" tIns="36150" rIns="36150" bIns="36150" anchor="ctr" anchorCtr="0">
-            <a:noAutofit/>
-          </a:bodyPr>
-          <a:lstStyle/>
-          <a:p>
-            <a:pPr marL="0" marR="0" lvl="0" indent="0" algn="ctr" rtl="0">
-              <a:lnSpc>
-                <a:spcPct val="100000"/>
-              </a:lnSpc>
-              <a:spcBef>
-                <a:spcPts val="0"/>
-              </a:spcBef>
-              <a:spcAft>
-                <a:spcPts val="0"/>
-              </a:spcAft>
-              <a:buClr>
-                <a:srgbClr val="000000"/>
-              </a:buClr>
-              <a:buSzPts val="1300"/>
-              <a:buFont typeface="Arial"/>
-              <a:buNone/>
-            </a:pPr>
-            <a:r>
-              <a:rPr lang="ja" sz="1500" b="0" i="0" u="none" strike="noStrike" cap="none">
-                <a:solidFill>
-                  <a:srgbClr val="000000"/>
-                </a:solidFill>
-                <a:latin typeface="Arial"/>
-                <a:ea typeface="Arial"/>
-                <a:cs typeface="Arial"/>
-                <a:sym typeface="Arial"/>
-              </a:rPr>
-              <a:t>¥</a:t>
-            </a:r>
-            <a:endParaRPr sz="1200" b="0" i="0" u="none" strike="noStrike" cap="none">
+            <a:endParaRPr sz="1000" b="1" i="0" u="none" strike="noStrike" cap="none" dirty="0">
               <a:solidFill>
                 <a:srgbClr val="000000"/>
               </a:solidFill>
@@ -11258,18 +11022,10 @@
               <a:buNone/>
             </a:pPr>
             <a:r>
-              <a:rPr lang="ja" sz="1800" b="1" i="0" u="none" strike="noStrike" cap="none">
-                <a:solidFill>
-                  <a:srgbClr val="000000"/>
-                </a:solidFill>
-                <a:latin typeface="Arial"/>
-                <a:ea typeface="Arial"/>
-                <a:cs typeface="Arial"/>
-                <a:sym typeface="Arial"/>
-              </a:rPr>
-              <a:t>関係会社など</a:t>
+              <a:rPr lang="ja-JP" altLang="en-US" sz="1800" b="1" dirty="0"/>
+              <a:t>水筒メーカー</a:t>
             </a:r>
-            <a:endParaRPr sz="1000" b="1" i="0" u="none" strike="noStrike" cap="none">
+            <a:endParaRPr sz="1000" b="1" i="0" u="none" strike="noStrike" cap="none" dirty="0">
               <a:solidFill>
                 <a:srgbClr val="000000"/>
               </a:solidFill>
@@ -11289,7 +11045,7 @@
         </p:nvCxnSpPr>
         <p:spPr>
           <a:xfrm>
-            <a:off x="4976843" y="7209865"/>
+            <a:off x="4976843" y="7471130"/>
             <a:ext cx="1261500" cy="0"/>
           </a:xfrm>
           <a:prstGeom prst="straightConnector1">
@@ -11315,7 +11071,376 @@
         </p:nvSpPr>
         <p:spPr>
           <a:xfrm>
-            <a:off x="5474102" y="7079627"/>
+            <a:off x="5474102" y="7340892"/>
+            <a:ext cx="267000" cy="274500"/>
+          </a:xfrm>
+          <a:prstGeom prst="roundRect">
+            <a:avLst>
+              <a:gd name="adj" fmla="val 22790"/>
+            </a:avLst>
+          </a:prstGeom>
+          <a:solidFill>
+            <a:srgbClr val="FFFC41"/>
+          </a:solidFill>
+          <a:ln w="28575" cap="flat" cmpd="sng">
+            <a:solidFill>
+              <a:srgbClr val="000000"/>
+            </a:solidFill>
+            <a:prstDash val="solid"/>
+            <a:miter lim="400000"/>
+            <a:headEnd type="none" w="sm" len="sm"/>
+            <a:tailEnd type="none" w="sm" len="sm"/>
+          </a:ln>
+        </p:spPr>
+        <p:txBody>
+          <a:bodyPr spcFirstLastPara="1" wrap="square" lIns="36150" tIns="36150" rIns="36150" bIns="36150" anchor="ctr" anchorCtr="0">
+            <a:noAutofit/>
+          </a:bodyPr>
+          <a:lstStyle/>
+          <a:p>
+            <a:pPr marL="0" marR="0" lvl="0" indent="0" algn="ctr" rtl="0">
+              <a:lnSpc>
+                <a:spcPct val="100000"/>
+              </a:lnSpc>
+              <a:spcBef>
+                <a:spcPts val="0"/>
+              </a:spcBef>
+              <a:spcAft>
+                <a:spcPts val="0"/>
+              </a:spcAft>
+              <a:buClr>
+                <a:srgbClr val="000000"/>
+              </a:buClr>
+              <a:buSzPts val="1300"/>
+              <a:buFont typeface="Arial"/>
+              <a:buNone/>
+            </a:pPr>
+            <a:r>
+              <a:rPr lang="ja" sz="1500" b="0" i="0" u="none" strike="noStrike" cap="none" dirty="0">
+                <a:solidFill>
+                  <a:srgbClr val="000000"/>
+                </a:solidFill>
+                <a:latin typeface="Arial"/>
+                <a:ea typeface="Arial"/>
+                <a:cs typeface="Arial"/>
+                <a:sym typeface="Arial"/>
+              </a:rPr>
+              <a:t>¥</a:t>
+            </a:r>
+            <a:endParaRPr sz="1200" b="0" i="0" u="none" strike="noStrike" cap="none" dirty="0">
+              <a:solidFill>
+                <a:srgbClr val="000000"/>
+              </a:solidFill>
+              <a:latin typeface="Arial"/>
+              <a:ea typeface="Arial"/>
+              <a:cs typeface="Arial"/>
+              <a:sym typeface="Arial"/>
+            </a:endParaRPr>
+          </a:p>
+        </p:txBody>
+      </p:sp>
+      <p:sp>
+        <p:nvSpPr>
+          <p:cNvPr id="543" name="Google Shape;543;p27"/>
+          <p:cNvSpPr txBox="1"/>
+          <p:nvPr/>
+        </p:nvSpPr>
+        <p:spPr>
+          <a:xfrm>
+            <a:off x="3183310" y="5883521"/>
+            <a:ext cx="731412" cy="208182"/>
+          </a:xfrm>
+          <a:prstGeom prst="rect">
+            <a:avLst/>
+          </a:prstGeom>
+          <a:solidFill>
+            <a:srgbClr val="FFFFFF"/>
+          </a:solidFill>
+          <a:ln>
+            <a:noFill/>
+          </a:ln>
+        </p:spPr>
+        <p:txBody>
+          <a:bodyPr spcFirstLastPara="1" wrap="square" lIns="36150" tIns="36150" rIns="36150" bIns="36150" anchor="ctr" anchorCtr="0">
+            <a:noAutofit/>
+          </a:bodyPr>
+          <a:lstStyle/>
+          <a:p>
+            <a:pPr marL="0" marR="0" lvl="0" indent="0" algn="l" rtl="0">
+              <a:lnSpc>
+                <a:spcPct val="100000"/>
+              </a:lnSpc>
+              <a:spcBef>
+                <a:spcPts val="0"/>
+              </a:spcBef>
+              <a:spcAft>
+                <a:spcPts val="0"/>
+              </a:spcAft>
+              <a:buNone/>
+            </a:pPr>
+            <a:r>
+              <a:rPr lang="ja-JP" altLang="en-US"/>
+              <a:t>　水筒</a:t>
+            </a:r>
+            <a:endParaRPr sz="1400" b="0" i="0" u="none" strike="noStrike" cap="none" dirty="0">
+              <a:solidFill>
+                <a:srgbClr val="000000"/>
+              </a:solidFill>
+              <a:latin typeface="Arial"/>
+              <a:ea typeface="Arial"/>
+              <a:cs typeface="Arial"/>
+              <a:sym typeface="Arial"/>
+            </a:endParaRPr>
+          </a:p>
+        </p:txBody>
+      </p:sp>
+      <p:sp>
+        <p:nvSpPr>
+          <p:cNvPr id="546" name="Google Shape;546;p27"/>
+          <p:cNvSpPr/>
+          <p:nvPr/>
+        </p:nvSpPr>
+        <p:spPr>
+          <a:xfrm>
+            <a:off x="6538679" y="3197533"/>
+            <a:ext cx="267000" cy="274500"/>
+          </a:xfrm>
+          <a:prstGeom prst="roundRect">
+            <a:avLst>
+              <a:gd name="adj" fmla="val 22790"/>
+            </a:avLst>
+          </a:prstGeom>
+          <a:solidFill>
+            <a:srgbClr val="FFFC41"/>
+          </a:solidFill>
+          <a:ln w="28575" cap="flat" cmpd="sng">
+            <a:solidFill>
+              <a:srgbClr val="000000"/>
+            </a:solidFill>
+            <a:prstDash val="solid"/>
+            <a:miter lim="400000"/>
+            <a:headEnd type="none" w="sm" len="sm"/>
+            <a:tailEnd type="none" w="sm" len="sm"/>
+          </a:ln>
+        </p:spPr>
+        <p:txBody>
+          <a:bodyPr spcFirstLastPara="1" wrap="square" lIns="36150" tIns="36150" rIns="36150" bIns="36150" anchor="ctr" anchorCtr="0">
+            <a:noAutofit/>
+          </a:bodyPr>
+          <a:lstStyle/>
+          <a:p>
+            <a:pPr marL="0" marR="0" lvl="0" indent="0" algn="ctr" rtl="0">
+              <a:lnSpc>
+                <a:spcPct val="100000"/>
+              </a:lnSpc>
+              <a:spcBef>
+                <a:spcPts val="0"/>
+              </a:spcBef>
+              <a:spcAft>
+                <a:spcPts val="0"/>
+              </a:spcAft>
+              <a:buClr>
+                <a:srgbClr val="000000"/>
+              </a:buClr>
+              <a:buSzPts val="1300"/>
+              <a:buFont typeface="Arial"/>
+              <a:buNone/>
+            </a:pPr>
+            <a:r>
+              <a:rPr lang="ja" sz="1500" b="0" i="0" u="none" strike="noStrike" cap="none" dirty="0">
+                <a:solidFill>
+                  <a:srgbClr val="000000"/>
+                </a:solidFill>
+                <a:latin typeface="Arial"/>
+                <a:ea typeface="Arial"/>
+                <a:cs typeface="Arial"/>
+                <a:sym typeface="Arial"/>
+              </a:rPr>
+              <a:t>¥</a:t>
+            </a:r>
+            <a:endParaRPr sz="1200" b="0" i="0" u="none" strike="noStrike" cap="none" dirty="0">
+              <a:solidFill>
+                <a:srgbClr val="000000"/>
+              </a:solidFill>
+              <a:latin typeface="Arial"/>
+              <a:ea typeface="Arial"/>
+              <a:cs typeface="Arial"/>
+              <a:sym typeface="Arial"/>
+            </a:endParaRPr>
+          </a:p>
+        </p:txBody>
+      </p:sp>
+      <p:sp>
+        <p:nvSpPr>
+          <p:cNvPr id="549" name="Google Shape;549;p27"/>
+          <p:cNvSpPr txBox="1"/>
+          <p:nvPr/>
+        </p:nvSpPr>
+        <p:spPr>
+          <a:xfrm>
+            <a:off x="7225438" y="3191330"/>
+            <a:ext cx="604018" cy="181742"/>
+          </a:xfrm>
+          <a:prstGeom prst="rect">
+            <a:avLst/>
+          </a:prstGeom>
+          <a:solidFill>
+            <a:srgbClr val="FFFFFF"/>
+          </a:solidFill>
+          <a:ln>
+            <a:noFill/>
+          </a:ln>
+        </p:spPr>
+        <p:txBody>
+          <a:bodyPr spcFirstLastPara="1" wrap="square" lIns="36150" tIns="36150" rIns="36150" bIns="36150" anchor="ctr" anchorCtr="0">
+            <a:noAutofit/>
+          </a:bodyPr>
+          <a:lstStyle/>
+          <a:p>
+            <a:pPr marL="0" marR="0" lvl="0" indent="0" algn="l" rtl="0">
+              <a:lnSpc>
+                <a:spcPct val="100000"/>
+              </a:lnSpc>
+              <a:spcBef>
+                <a:spcPts val="0"/>
+              </a:spcBef>
+              <a:spcAft>
+                <a:spcPts val="0"/>
+              </a:spcAft>
+              <a:buClr>
+                <a:srgbClr val="000000"/>
+              </a:buClr>
+              <a:buSzPts val="1000"/>
+              <a:buFont typeface="Arial"/>
+              <a:buNone/>
+            </a:pPr>
+            <a:r>
+              <a:rPr lang="ja-JP" altLang="en-US" sz="1400" b="0" i="0" u="none" strike="noStrike" cap="none" dirty="0">
+                <a:solidFill>
+                  <a:srgbClr val="000000"/>
+                </a:solidFill>
+                <a:latin typeface="Arial"/>
+                <a:ea typeface="Arial"/>
+                <a:cs typeface="Arial"/>
+                <a:sym typeface="Arial"/>
+              </a:rPr>
+              <a:t>飲料</a:t>
+            </a:r>
+            <a:endParaRPr sz="1400" b="0" i="0" u="none" strike="noStrike" cap="none" dirty="0">
+              <a:solidFill>
+                <a:srgbClr val="000000"/>
+              </a:solidFill>
+              <a:latin typeface="Arial"/>
+              <a:ea typeface="Arial"/>
+              <a:cs typeface="Arial"/>
+              <a:sym typeface="Arial"/>
+            </a:endParaRPr>
+          </a:p>
+        </p:txBody>
+      </p:sp>
+      <p:sp>
+        <p:nvSpPr>
+          <p:cNvPr id="550" name="Google Shape;550;p27"/>
+          <p:cNvSpPr txBox="1"/>
+          <p:nvPr/>
+        </p:nvSpPr>
+        <p:spPr>
+          <a:xfrm>
+            <a:off x="7196897" y="5932950"/>
+            <a:ext cx="503400" cy="209700"/>
+          </a:xfrm>
+          <a:prstGeom prst="rect">
+            <a:avLst/>
+          </a:prstGeom>
+          <a:solidFill>
+            <a:srgbClr val="FFFFFF"/>
+          </a:solidFill>
+          <a:ln>
+            <a:noFill/>
+          </a:ln>
+        </p:spPr>
+        <p:txBody>
+          <a:bodyPr spcFirstLastPara="1" wrap="square" lIns="36150" tIns="36150" rIns="36150" bIns="36150" anchor="ctr" anchorCtr="0">
+            <a:noAutofit/>
+          </a:bodyPr>
+          <a:lstStyle/>
+          <a:p>
+            <a:pPr marL="0" marR="0" lvl="0" indent="0" algn="l" rtl="0">
+              <a:lnSpc>
+                <a:spcPct val="100000"/>
+              </a:lnSpc>
+              <a:spcBef>
+                <a:spcPts val="0"/>
+              </a:spcBef>
+              <a:spcAft>
+                <a:spcPts val="0"/>
+              </a:spcAft>
+              <a:buClr>
+                <a:srgbClr val="000000"/>
+              </a:buClr>
+              <a:buSzPts val="1000"/>
+              <a:buFont typeface="Arial"/>
+              <a:buNone/>
+            </a:pPr>
+            <a:r>
+              <a:rPr lang="ja" sz="1400" b="0" i="0" u="none" strike="noStrike" cap="none">
+                <a:solidFill>
+                  <a:srgbClr val="000000"/>
+                </a:solidFill>
+                <a:latin typeface="Arial"/>
+                <a:ea typeface="Arial"/>
+                <a:cs typeface="Arial"/>
+                <a:sym typeface="Arial"/>
+              </a:rPr>
+              <a:t>売上</a:t>
+            </a:r>
+            <a:endParaRPr sz="1400" b="0" i="0" u="none" strike="noStrike" cap="none">
+              <a:solidFill>
+                <a:srgbClr val="000000"/>
+              </a:solidFill>
+              <a:latin typeface="Arial"/>
+              <a:ea typeface="Arial"/>
+              <a:cs typeface="Arial"/>
+              <a:sym typeface="Arial"/>
+            </a:endParaRPr>
+          </a:p>
+        </p:txBody>
+      </p:sp>
+      <p:cxnSp>
+        <p:nvCxnSpPr>
+          <p:cNvPr id="551" name="Google Shape;551;p27"/>
+          <p:cNvCxnSpPr/>
+          <p:nvPr/>
+        </p:nvCxnSpPr>
+        <p:spPr>
+          <a:xfrm rot="10800000">
+            <a:off x="7027870" y="5576900"/>
+            <a:ext cx="0" cy="912000"/>
+          </a:xfrm>
+          <a:prstGeom prst="straightConnector1">
+            <a:avLst/>
+          </a:prstGeom>
+          <a:noFill/>
+          <a:ln w="28575" cap="flat" cmpd="sng">
+            <a:solidFill>
+              <a:srgbClr val="000000"/>
+            </a:solidFill>
+            <a:prstDash val="solid"/>
+            <a:miter lim="400000"/>
+            <a:headEnd type="stealth" w="sm" len="sm"/>
+            <a:tailEnd type="none" w="sm" len="sm"/>
+          </a:ln>
+        </p:spPr>
+      </p:cxnSp>
+      <p:sp>
+        <p:nvSpPr>
+          <p:cNvPr id="552" name="Google Shape;552;p27"/>
+          <p:cNvSpPr/>
+          <p:nvPr/>
+        </p:nvSpPr>
+        <p:spPr>
+          <a:xfrm>
+            <a:off x="6894300" y="5912600"/>
             <a:ext cx="267000" cy="274500"/>
           </a:xfrm>
           <a:prstGeom prst="roundRect">
@@ -11383,661 +11508,6 @@
           </a:p>
         </p:txBody>
       </p:sp>
-      <p:cxnSp>
-        <p:nvCxnSpPr>
-          <p:cNvPr id="541" name="Google Shape;541;p27"/>
-          <p:cNvCxnSpPr/>
-          <p:nvPr/>
-        </p:nvCxnSpPr>
-        <p:spPr>
-          <a:xfrm rot="10800000">
-            <a:off x="4412840" y="5576900"/>
-            <a:ext cx="0" cy="912000"/>
-          </a:xfrm>
-          <a:prstGeom prst="straightConnector1">
-            <a:avLst/>
-          </a:prstGeom>
-          <a:noFill/>
-          <a:ln w="28575" cap="flat" cmpd="sng">
-            <a:solidFill>
-              <a:srgbClr val="000000"/>
-            </a:solidFill>
-            <a:prstDash val="solid"/>
-            <a:miter lim="400000"/>
-            <a:headEnd type="none" w="sm" len="sm"/>
-            <a:tailEnd type="stealth" w="med" len="med"/>
-          </a:ln>
-        </p:spPr>
-      </p:cxnSp>
-      <p:sp>
-        <p:nvSpPr>
-          <p:cNvPr id="542" name="Google Shape;542;p27"/>
-          <p:cNvSpPr/>
-          <p:nvPr/>
-        </p:nvSpPr>
-        <p:spPr>
-          <a:xfrm>
-            <a:off x="4279270" y="5912600"/>
-            <a:ext cx="267000" cy="274500"/>
-          </a:xfrm>
-          <a:prstGeom prst="roundRect">
-            <a:avLst>
-              <a:gd name="adj" fmla="val 22790"/>
-            </a:avLst>
-          </a:prstGeom>
-          <a:solidFill>
-            <a:srgbClr val="FFFC41"/>
-          </a:solidFill>
-          <a:ln w="28575" cap="flat" cmpd="sng">
-            <a:solidFill>
-              <a:srgbClr val="000000"/>
-            </a:solidFill>
-            <a:prstDash val="solid"/>
-            <a:miter lim="400000"/>
-            <a:headEnd type="none" w="sm" len="sm"/>
-            <a:tailEnd type="none" w="sm" len="sm"/>
-          </a:ln>
-        </p:spPr>
-        <p:txBody>
-          <a:bodyPr spcFirstLastPara="1" wrap="square" lIns="36150" tIns="36150" rIns="36150" bIns="36150" anchor="ctr" anchorCtr="0">
-            <a:noAutofit/>
-          </a:bodyPr>
-          <a:lstStyle/>
-          <a:p>
-            <a:pPr marL="0" marR="0" lvl="0" indent="0" algn="ctr" rtl="0">
-              <a:lnSpc>
-                <a:spcPct val="100000"/>
-              </a:lnSpc>
-              <a:spcBef>
-                <a:spcPts val="0"/>
-              </a:spcBef>
-              <a:spcAft>
-                <a:spcPts val="0"/>
-              </a:spcAft>
-              <a:buClr>
-                <a:srgbClr val="000000"/>
-              </a:buClr>
-              <a:buSzPts val="1300"/>
-              <a:buFont typeface="Arial"/>
-              <a:buNone/>
-            </a:pPr>
-            <a:r>
-              <a:rPr lang="ja" sz="1500" b="0" i="0" u="none" strike="noStrike" cap="none">
-                <a:solidFill>
-                  <a:srgbClr val="000000"/>
-                </a:solidFill>
-                <a:latin typeface="Arial"/>
-                <a:ea typeface="Arial"/>
-                <a:cs typeface="Arial"/>
-                <a:sym typeface="Arial"/>
-              </a:rPr>
-              <a:t>¥</a:t>
-            </a:r>
-            <a:endParaRPr sz="1200" b="0" i="0" u="none" strike="noStrike" cap="none">
-              <a:solidFill>
-                <a:srgbClr val="000000"/>
-              </a:solidFill>
-              <a:latin typeface="Arial"/>
-              <a:ea typeface="Arial"/>
-              <a:cs typeface="Arial"/>
-              <a:sym typeface="Arial"/>
-            </a:endParaRPr>
-          </a:p>
-        </p:txBody>
-      </p:sp>
-      <p:sp>
-        <p:nvSpPr>
-          <p:cNvPr id="543" name="Google Shape;543;p27"/>
-          <p:cNvSpPr txBox="1"/>
-          <p:nvPr/>
-        </p:nvSpPr>
-        <p:spPr>
-          <a:xfrm>
-            <a:off x="3183310" y="5883521"/>
-            <a:ext cx="1067400" cy="363300"/>
-          </a:xfrm>
-          <a:prstGeom prst="rect">
-            <a:avLst/>
-          </a:prstGeom>
-          <a:solidFill>
-            <a:srgbClr val="FFFFFF"/>
-          </a:solidFill>
-          <a:ln>
-            <a:noFill/>
-          </a:ln>
-        </p:spPr>
-        <p:txBody>
-          <a:bodyPr spcFirstLastPara="1" wrap="square" lIns="36150" tIns="36150" rIns="36150" bIns="36150" anchor="ctr" anchorCtr="0">
-            <a:noAutofit/>
-          </a:bodyPr>
-          <a:lstStyle/>
-          <a:p>
-            <a:pPr marL="0" marR="0" lvl="0" indent="0" algn="l" rtl="0">
-              <a:lnSpc>
-                <a:spcPct val="100000"/>
-              </a:lnSpc>
-              <a:spcBef>
-                <a:spcPts val="0"/>
-              </a:spcBef>
-              <a:spcAft>
-                <a:spcPts val="0"/>
-              </a:spcAft>
-              <a:buNone/>
-            </a:pPr>
-            <a:r>
-              <a:rPr lang="ja" sz="1400" b="0" i="0" u="none" strike="noStrike" cap="none">
-                <a:solidFill>
-                  <a:srgbClr val="000000"/>
-                </a:solidFill>
-                <a:latin typeface="Arial"/>
-                <a:ea typeface="Arial"/>
-                <a:cs typeface="Arial"/>
-                <a:sym typeface="Arial"/>
-              </a:rPr>
-              <a:t>カネの流れ</a:t>
-            </a:r>
-            <a:endParaRPr sz="1400" b="0" i="0" u="none" strike="noStrike" cap="none">
-              <a:solidFill>
-                <a:srgbClr val="000000"/>
-              </a:solidFill>
-              <a:latin typeface="Arial"/>
-              <a:ea typeface="Arial"/>
-              <a:cs typeface="Arial"/>
-              <a:sym typeface="Arial"/>
-            </a:endParaRPr>
-          </a:p>
-        </p:txBody>
-      </p:sp>
-      <p:cxnSp>
-        <p:nvCxnSpPr>
-          <p:cNvPr id="544" name="Google Shape;544;p27"/>
-          <p:cNvCxnSpPr/>
-          <p:nvPr/>
-        </p:nvCxnSpPr>
-        <p:spPr>
-          <a:xfrm rot="10800000">
-            <a:off x="9275605" y="5576900"/>
-            <a:ext cx="0" cy="912000"/>
-          </a:xfrm>
-          <a:prstGeom prst="straightConnector1">
-            <a:avLst/>
-          </a:prstGeom>
-          <a:noFill/>
-          <a:ln w="28575" cap="flat" cmpd="sng">
-            <a:solidFill>
-              <a:srgbClr val="000000"/>
-            </a:solidFill>
-            <a:prstDash val="solid"/>
-            <a:miter lim="400000"/>
-            <a:headEnd type="none" w="sm" len="sm"/>
-            <a:tailEnd type="stealth" w="med" len="med"/>
-          </a:ln>
-        </p:spPr>
-      </p:cxnSp>
-      <p:sp>
-        <p:nvSpPr>
-          <p:cNvPr id="545" name="Google Shape;545;p27"/>
-          <p:cNvSpPr/>
-          <p:nvPr/>
-        </p:nvSpPr>
-        <p:spPr>
-          <a:xfrm>
-            <a:off x="9156051" y="5903267"/>
-            <a:ext cx="247500" cy="247500"/>
-          </a:xfrm>
-          <a:prstGeom prst="rect">
-            <a:avLst/>
-          </a:prstGeom>
-          <a:solidFill>
-            <a:srgbClr val="CBECFA"/>
-          </a:solidFill>
-          <a:ln w="28575" cap="flat" cmpd="sng">
-            <a:solidFill>
-              <a:srgbClr val="000000"/>
-            </a:solidFill>
-            <a:prstDash val="solid"/>
-            <a:round/>
-            <a:headEnd type="none" w="sm" len="sm"/>
-            <a:tailEnd type="none" w="sm" len="sm"/>
-          </a:ln>
-        </p:spPr>
-        <p:txBody>
-          <a:bodyPr spcFirstLastPara="1" wrap="square" lIns="91425" tIns="91425" rIns="91425" bIns="91425" anchor="ctr" anchorCtr="0">
-            <a:noAutofit/>
-          </a:bodyPr>
-          <a:lstStyle/>
-          <a:p>
-            <a:pPr marL="0" marR="0" lvl="0" indent="0" algn="l" rtl="0">
-              <a:lnSpc>
-                <a:spcPct val="100000"/>
-              </a:lnSpc>
-              <a:spcBef>
-                <a:spcPts val="0"/>
-              </a:spcBef>
-              <a:spcAft>
-                <a:spcPts val="0"/>
-              </a:spcAft>
-              <a:buClr>
-                <a:srgbClr val="000000"/>
-              </a:buClr>
-              <a:buSzPts val="1400"/>
-              <a:buFont typeface="Arial"/>
-              <a:buNone/>
-            </a:pPr>
-            <a:endParaRPr sz="1400" b="0" i="0" u="none" strike="noStrike" cap="none">
-              <a:solidFill>
-                <a:srgbClr val="000000"/>
-              </a:solidFill>
-              <a:latin typeface="Arial"/>
-              <a:ea typeface="Arial"/>
-              <a:cs typeface="Arial"/>
-              <a:sym typeface="Arial"/>
-            </a:endParaRPr>
-          </a:p>
-        </p:txBody>
-      </p:sp>
-      <p:sp>
-        <p:nvSpPr>
-          <p:cNvPr id="546" name="Google Shape;546;p27"/>
-          <p:cNvSpPr/>
-          <p:nvPr/>
-        </p:nvSpPr>
-        <p:spPr>
-          <a:xfrm>
-            <a:off x="6538679" y="3197533"/>
-            <a:ext cx="267000" cy="274500"/>
-          </a:xfrm>
-          <a:prstGeom prst="roundRect">
-            <a:avLst>
-              <a:gd name="adj" fmla="val 22790"/>
-            </a:avLst>
-          </a:prstGeom>
-          <a:solidFill>
-            <a:srgbClr val="FFFC41"/>
-          </a:solidFill>
-          <a:ln w="28575" cap="flat" cmpd="sng">
-            <a:solidFill>
-              <a:srgbClr val="000000"/>
-            </a:solidFill>
-            <a:prstDash val="solid"/>
-            <a:miter lim="400000"/>
-            <a:headEnd type="none" w="sm" len="sm"/>
-            <a:tailEnd type="none" w="sm" len="sm"/>
-          </a:ln>
-        </p:spPr>
-        <p:txBody>
-          <a:bodyPr spcFirstLastPara="1" wrap="square" lIns="36150" tIns="36150" rIns="36150" bIns="36150" anchor="ctr" anchorCtr="0">
-            <a:noAutofit/>
-          </a:bodyPr>
-          <a:lstStyle/>
-          <a:p>
-            <a:pPr marL="0" marR="0" lvl="0" indent="0" algn="ctr" rtl="0">
-              <a:lnSpc>
-                <a:spcPct val="100000"/>
-              </a:lnSpc>
-              <a:spcBef>
-                <a:spcPts val="0"/>
-              </a:spcBef>
-              <a:spcAft>
-                <a:spcPts val="0"/>
-              </a:spcAft>
-              <a:buClr>
-                <a:srgbClr val="000000"/>
-              </a:buClr>
-              <a:buSzPts val="1300"/>
-              <a:buFont typeface="Arial"/>
-              <a:buNone/>
-            </a:pPr>
-            <a:r>
-              <a:rPr lang="ja" sz="1500" b="0" i="0" u="none" strike="noStrike" cap="none">
-                <a:solidFill>
-                  <a:srgbClr val="000000"/>
-                </a:solidFill>
-                <a:latin typeface="Arial"/>
-                <a:ea typeface="Arial"/>
-                <a:cs typeface="Arial"/>
-                <a:sym typeface="Arial"/>
-              </a:rPr>
-              <a:t>¥</a:t>
-            </a:r>
-            <a:endParaRPr sz="1200" b="0" i="0" u="none" strike="noStrike" cap="none">
-              <a:solidFill>
-                <a:srgbClr val="000000"/>
-              </a:solidFill>
-              <a:latin typeface="Arial"/>
-              <a:ea typeface="Arial"/>
-              <a:cs typeface="Arial"/>
-              <a:sym typeface="Arial"/>
-            </a:endParaRPr>
-          </a:p>
-        </p:txBody>
-      </p:sp>
-      <p:cxnSp>
-        <p:nvCxnSpPr>
-          <p:cNvPr id="547" name="Google Shape;547;p27"/>
-          <p:cNvCxnSpPr/>
-          <p:nvPr/>
-        </p:nvCxnSpPr>
-        <p:spPr>
-          <a:xfrm rot="10800000">
-            <a:off x="7040405" y="2959338"/>
-            <a:ext cx="0" cy="858900"/>
-          </a:xfrm>
-          <a:prstGeom prst="straightConnector1">
-            <a:avLst/>
-          </a:prstGeom>
-          <a:noFill/>
-          <a:ln w="28575" cap="flat" cmpd="sng">
-            <a:solidFill>
-              <a:srgbClr val="000000"/>
-            </a:solidFill>
-            <a:prstDash val="solid"/>
-            <a:miter lim="400000"/>
-            <a:headEnd type="none" w="sm" len="sm"/>
-            <a:tailEnd type="stealth" w="med" len="med"/>
-          </a:ln>
-        </p:spPr>
-      </p:cxnSp>
-      <p:sp>
-        <p:nvSpPr>
-          <p:cNvPr id="548" name="Google Shape;548;p27"/>
-          <p:cNvSpPr/>
-          <p:nvPr/>
-        </p:nvSpPr>
-        <p:spPr>
-          <a:xfrm>
-            <a:off x="6920851" y="3236267"/>
-            <a:ext cx="247500" cy="247500"/>
-          </a:xfrm>
-          <a:prstGeom prst="rect">
-            <a:avLst/>
-          </a:prstGeom>
-          <a:solidFill>
-            <a:srgbClr val="CBECFA"/>
-          </a:solidFill>
-          <a:ln w="28575" cap="flat" cmpd="sng">
-            <a:solidFill>
-              <a:srgbClr val="000000"/>
-            </a:solidFill>
-            <a:prstDash val="solid"/>
-            <a:round/>
-            <a:headEnd type="none" w="sm" len="sm"/>
-            <a:tailEnd type="none" w="sm" len="sm"/>
-          </a:ln>
-        </p:spPr>
-        <p:txBody>
-          <a:bodyPr spcFirstLastPara="1" wrap="square" lIns="91425" tIns="91425" rIns="91425" bIns="91425" anchor="ctr" anchorCtr="0">
-            <a:noAutofit/>
-          </a:bodyPr>
-          <a:lstStyle/>
-          <a:p>
-            <a:pPr marL="0" marR="0" lvl="0" indent="0" algn="l" rtl="0">
-              <a:lnSpc>
-                <a:spcPct val="100000"/>
-              </a:lnSpc>
-              <a:spcBef>
-                <a:spcPts val="0"/>
-              </a:spcBef>
-              <a:spcAft>
-                <a:spcPts val="0"/>
-              </a:spcAft>
-              <a:buClr>
-                <a:srgbClr val="000000"/>
-              </a:buClr>
-              <a:buSzPts val="1400"/>
-              <a:buFont typeface="Arial"/>
-              <a:buNone/>
-            </a:pPr>
-            <a:endParaRPr sz="1400" b="0" i="0" u="none" strike="noStrike" cap="none">
-              <a:solidFill>
-                <a:srgbClr val="000000"/>
-              </a:solidFill>
-              <a:latin typeface="Arial"/>
-              <a:ea typeface="Arial"/>
-              <a:cs typeface="Arial"/>
-              <a:sym typeface="Arial"/>
-            </a:endParaRPr>
-          </a:p>
-        </p:txBody>
-      </p:sp>
-      <p:sp>
-        <p:nvSpPr>
-          <p:cNvPr id="549" name="Google Shape;549;p27"/>
-          <p:cNvSpPr txBox="1"/>
-          <p:nvPr/>
-        </p:nvSpPr>
-        <p:spPr>
-          <a:xfrm>
-            <a:off x="7225438" y="3191330"/>
-            <a:ext cx="1042800" cy="306000"/>
-          </a:xfrm>
-          <a:prstGeom prst="rect">
-            <a:avLst/>
-          </a:prstGeom>
-          <a:solidFill>
-            <a:srgbClr val="FFFFFF"/>
-          </a:solidFill>
-          <a:ln>
-            <a:noFill/>
-          </a:ln>
-        </p:spPr>
-        <p:txBody>
-          <a:bodyPr spcFirstLastPara="1" wrap="square" lIns="36150" tIns="36150" rIns="36150" bIns="36150" anchor="ctr" anchorCtr="0">
-            <a:noAutofit/>
-          </a:bodyPr>
-          <a:lstStyle/>
-          <a:p>
-            <a:pPr marL="0" marR="0" lvl="0" indent="0" algn="l" rtl="0">
-              <a:lnSpc>
-                <a:spcPct val="100000"/>
-              </a:lnSpc>
-              <a:spcBef>
-                <a:spcPts val="0"/>
-              </a:spcBef>
-              <a:spcAft>
-                <a:spcPts val="0"/>
-              </a:spcAft>
-              <a:buClr>
-                <a:srgbClr val="000000"/>
-              </a:buClr>
-              <a:buSzPts val="1000"/>
-              <a:buFont typeface="Arial"/>
-              <a:buNone/>
-            </a:pPr>
-            <a:r>
-              <a:rPr lang="ja" sz="1400" b="0" i="0" u="none" strike="noStrike" cap="none">
-                <a:solidFill>
-                  <a:srgbClr val="000000"/>
-                </a:solidFill>
-                <a:latin typeface="Arial"/>
-                <a:ea typeface="Arial"/>
-                <a:cs typeface="Arial"/>
-                <a:sym typeface="Arial"/>
-              </a:rPr>
-              <a:t>情報の流れ</a:t>
-            </a:r>
-            <a:endParaRPr sz="1400" b="0" i="0" u="none" strike="noStrike" cap="none">
-              <a:solidFill>
-                <a:srgbClr val="000000"/>
-              </a:solidFill>
-              <a:latin typeface="Arial"/>
-              <a:ea typeface="Arial"/>
-              <a:cs typeface="Arial"/>
-              <a:sym typeface="Arial"/>
-            </a:endParaRPr>
-          </a:p>
-        </p:txBody>
-      </p:sp>
-      <p:sp>
-        <p:nvSpPr>
-          <p:cNvPr id="550" name="Google Shape;550;p27"/>
-          <p:cNvSpPr txBox="1"/>
-          <p:nvPr/>
-        </p:nvSpPr>
-        <p:spPr>
-          <a:xfrm>
-            <a:off x="7196897" y="5932950"/>
-            <a:ext cx="503400" cy="209700"/>
-          </a:xfrm>
-          <a:prstGeom prst="rect">
-            <a:avLst/>
-          </a:prstGeom>
-          <a:solidFill>
-            <a:srgbClr val="FFFFFF"/>
-          </a:solidFill>
-          <a:ln>
-            <a:noFill/>
-          </a:ln>
-        </p:spPr>
-        <p:txBody>
-          <a:bodyPr spcFirstLastPara="1" wrap="square" lIns="36150" tIns="36150" rIns="36150" bIns="36150" anchor="ctr" anchorCtr="0">
-            <a:noAutofit/>
-          </a:bodyPr>
-          <a:lstStyle/>
-          <a:p>
-            <a:pPr marL="0" marR="0" lvl="0" indent="0" algn="l" rtl="0">
-              <a:lnSpc>
-                <a:spcPct val="100000"/>
-              </a:lnSpc>
-              <a:spcBef>
-                <a:spcPts val="0"/>
-              </a:spcBef>
-              <a:spcAft>
-                <a:spcPts val="0"/>
-              </a:spcAft>
-              <a:buClr>
-                <a:srgbClr val="000000"/>
-              </a:buClr>
-              <a:buSzPts val="1000"/>
-              <a:buFont typeface="Arial"/>
-              <a:buNone/>
-            </a:pPr>
-            <a:r>
-              <a:rPr lang="ja" sz="1400" b="0" i="0" u="none" strike="noStrike" cap="none">
-                <a:solidFill>
-                  <a:srgbClr val="000000"/>
-                </a:solidFill>
-                <a:latin typeface="Arial"/>
-                <a:ea typeface="Arial"/>
-                <a:cs typeface="Arial"/>
-                <a:sym typeface="Arial"/>
-              </a:rPr>
-              <a:t>売上</a:t>
-            </a:r>
-            <a:endParaRPr sz="1400" b="0" i="0" u="none" strike="noStrike" cap="none">
-              <a:solidFill>
-                <a:srgbClr val="000000"/>
-              </a:solidFill>
-              <a:latin typeface="Arial"/>
-              <a:ea typeface="Arial"/>
-              <a:cs typeface="Arial"/>
-              <a:sym typeface="Arial"/>
-            </a:endParaRPr>
-          </a:p>
-        </p:txBody>
-      </p:sp>
-      <p:cxnSp>
-        <p:nvCxnSpPr>
-          <p:cNvPr id="551" name="Google Shape;551;p27"/>
-          <p:cNvCxnSpPr/>
-          <p:nvPr/>
-        </p:nvCxnSpPr>
-        <p:spPr>
-          <a:xfrm rot="10800000">
-            <a:off x="7027870" y="5576900"/>
-            <a:ext cx="0" cy="912000"/>
-          </a:xfrm>
-          <a:prstGeom prst="straightConnector1">
-            <a:avLst/>
-          </a:prstGeom>
-          <a:noFill/>
-          <a:ln w="28575" cap="flat" cmpd="sng">
-            <a:solidFill>
-              <a:srgbClr val="000000"/>
-            </a:solidFill>
-            <a:prstDash val="solid"/>
-            <a:miter lim="400000"/>
-            <a:headEnd type="stealth" w="sm" len="sm"/>
-            <a:tailEnd type="none" w="sm" len="sm"/>
-          </a:ln>
-        </p:spPr>
-      </p:cxnSp>
-      <p:sp>
-        <p:nvSpPr>
-          <p:cNvPr id="552" name="Google Shape;552;p27"/>
-          <p:cNvSpPr/>
-          <p:nvPr/>
-        </p:nvSpPr>
-        <p:spPr>
-          <a:xfrm>
-            <a:off x="6894300" y="5912600"/>
-            <a:ext cx="267000" cy="274500"/>
-          </a:xfrm>
-          <a:prstGeom prst="roundRect">
-            <a:avLst>
-              <a:gd name="adj" fmla="val 22790"/>
-            </a:avLst>
-          </a:prstGeom>
-          <a:solidFill>
-            <a:srgbClr val="FFFC41"/>
-          </a:solidFill>
-          <a:ln w="28575" cap="flat" cmpd="sng">
-            <a:solidFill>
-              <a:srgbClr val="000000"/>
-            </a:solidFill>
-            <a:prstDash val="solid"/>
-            <a:miter lim="400000"/>
-            <a:headEnd type="none" w="sm" len="sm"/>
-            <a:tailEnd type="none" w="sm" len="sm"/>
-          </a:ln>
-        </p:spPr>
-        <p:txBody>
-          <a:bodyPr spcFirstLastPara="1" wrap="square" lIns="36150" tIns="36150" rIns="36150" bIns="36150" anchor="ctr" anchorCtr="0">
-            <a:noAutofit/>
-          </a:bodyPr>
-          <a:lstStyle/>
-          <a:p>
-            <a:pPr marL="0" marR="0" lvl="0" indent="0" algn="ctr" rtl="0">
-              <a:lnSpc>
-                <a:spcPct val="100000"/>
-              </a:lnSpc>
-              <a:spcBef>
-                <a:spcPts val="0"/>
-              </a:spcBef>
-              <a:spcAft>
-                <a:spcPts val="0"/>
-              </a:spcAft>
-              <a:buClr>
-                <a:srgbClr val="000000"/>
-              </a:buClr>
-              <a:buSzPts val="1300"/>
-              <a:buFont typeface="Arial"/>
-              <a:buNone/>
-            </a:pPr>
-            <a:r>
-              <a:rPr lang="ja" sz="1500" b="0" i="0" u="none" strike="noStrike" cap="none">
-                <a:solidFill>
-                  <a:srgbClr val="000000"/>
-                </a:solidFill>
-                <a:latin typeface="Arial"/>
-                <a:ea typeface="Arial"/>
-                <a:cs typeface="Arial"/>
-                <a:sym typeface="Arial"/>
-              </a:rPr>
-              <a:t>¥</a:t>
-            </a:r>
-            <a:endParaRPr sz="1200" b="0" i="0" u="none" strike="noStrike" cap="none">
-              <a:solidFill>
-                <a:srgbClr val="000000"/>
-              </a:solidFill>
-              <a:latin typeface="Arial"/>
-              <a:ea typeface="Arial"/>
-              <a:cs typeface="Arial"/>
-              <a:sym typeface="Arial"/>
-            </a:endParaRPr>
-          </a:p>
-        </p:txBody>
-      </p:sp>
       <p:sp>
         <p:nvSpPr>
           <p:cNvPr id="553" name="Google Shape;553;p27"/>
@@ -12141,7 +11611,7 @@
               <a:buNone/>
             </a:pPr>
             <a:r>
-              <a:rPr lang="ja" sz="1200" b="0" i="0" u="none" strike="noStrike" cap="none">
+              <a:rPr lang="ja-JP" altLang="en-US" sz="1200" b="0" i="0" u="none" strike="noStrike" cap="none" dirty="0">
                 <a:solidFill>
                   <a:srgbClr val="000000"/>
                 </a:solidFill>
@@ -12150,9 +11620,9 @@
                 <a:cs typeface="Arial"/>
                 <a:sym typeface="Arial"/>
               </a:rPr>
-              <a:t>ビジネスモデルで重要な情報を補足コメントとして入れる</a:t>
+              <a:t>サービスを利用するための専用水筒</a:t>
             </a:r>
-            <a:endParaRPr sz="1200" b="0" i="0" u="none" strike="noStrike" cap="none">
+            <a:endParaRPr sz="1200" b="0" i="0" u="none" strike="noStrike" cap="none" dirty="0">
               <a:solidFill>
                 <a:srgbClr val="000000"/>
               </a:solidFill>
@@ -12172,7 +11642,7 @@
         </p:nvSpPr>
         <p:spPr>
           <a:xfrm>
-            <a:off x="10662068" y="2796638"/>
+            <a:off x="9938368" y="4148494"/>
             <a:ext cx="1723200" cy="700500"/>
           </a:xfrm>
           <a:prstGeom prst="wedgeRoundRectCallout">
@@ -12232,7 +11702,7 @@
         </p:nvSpPr>
         <p:spPr>
           <a:xfrm>
-            <a:off x="10728237" y="2847975"/>
+            <a:off x="10004537" y="4199831"/>
             <a:ext cx="1669500" cy="609900"/>
           </a:xfrm>
           <a:prstGeom prst="rect">
@@ -12262,7 +11732,7 @@
               <a:buNone/>
             </a:pPr>
             <a:r>
-              <a:rPr lang="ja" sz="1200" b="0" i="0" u="none" strike="noStrike" cap="none">
+              <a:rPr lang="ja-JP" altLang="en-US" sz="1200" b="0" i="0" u="none" strike="noStrike" cap="none" dirty="0">
                 <a:solidFill>
                   <a:srgbClr val="000000"/>
                 </a:solidFill>
@@ -12271,9 +11741,33 @@
                 <a:cs typeface="Arial"/>
                 <a:sym typeface="Arial"/>
               </a:rPr>
-              <a:t>ビジネスモデルで重要な情報を補足コメントとして入れる</a:t>
+              <a:t>ペットボトルの削減によって</a:t>
             </a:r>
-            <a:endParaRPr sz="1200" b="0" i="0" u="none" strike="noStrike" cap="none">
+            <a:r>
+              <a:rPr lang="en-US" altLang="ja-JP" sz="1200" b="0" i="0" u="none" strike="noStrike" cap="none" dirty="0">
+                <a:solidFill>
+                  <a:srgbClr val="000000"/>
+                </a:solidFill>
+                <a:latin typeface="Arial"/>
+                <a:ea typeface="Arial"/>
+                <a:cs typeface="Arial"/>
+                <a:sym typeface="Arial"/>
+              </a:rPr>
+              <a:t>SDGs</a:t>
+            </a:r>
+            <a:r>
+              <a:rPr lang="ja-JP" altLang="en-US" sz="1200" b="0" i="0" u="none" strike="noStrike" cap="none" dirty="0">
+                <a:solidFill>
+                  <a:srgbClr val="000000"/>
+                </a:solidFill>
+                <a:latin typeface="Arial"/>
+                <a:ea typeface="Arial"/>
+                <a:cs typeface="Arial"/>
+                <a:sym typeface="Arial"/>
+              </a:rPr>
+              <a:t>に貢献する</a:t>
+            </a:r>
+            <a:endParaRPr sz="1200" b="0" i="0" u="none" strike="noStrike" cap="none" dirty="0">
               <a:solidFill>
                 <a:srgbClr val="000000"/>
               </a:solidFill>
@@ -12520,18 +12014,10 @@
               <a:buNone/>
             </a:pPr>
             <a:r>
-              <a:rPr lang="ja" sz="1800" b="1" i="0" u="none" strike="noStrike" cap="none">
-                <a:solidFill>
-                  <a:srgbClr val="000000"/>
-                </a:solidFill>
-                <a:latin typeface="Arial"/>
-                <a:ea typeface="Arial"/>
-                <a:cs typeface="Arial"/>
-                <a:sym typeface="Arial"/>
-              </a:rPr>
-              <a:t>関係者など</a:t>
+              <a:rPr lang="ja-JP" altLang="en-US" sz="1800" b="1" dirty="0"/>
+              <a:t>オーナー</a:t>
             </a:r>
-            <a:endParaRPr sz="1000" b="1" i="0" u="none" strike="noStrike" cap="none">
+            <a:endParaRPr sz="1000" b="1" i="0" u="none" strike="noStrike" cap="none" dirty="0">
               <a:solidFill>
                 <a:srgbClr val="000000"/>
               </a:solidFill>
@@ -12543,163 +12029,66 @@
           </a:p>
         </p:txBody>
       </p:sp>
-      <p:grpSp>
-        <p:nvGrpSpPr>
-          <p:cNvPr id="562" name="Google Shape;562;p27"/>
-          <p:cNvGrpSpPr/>
-          <p:nvPr/>
-        </p:nvGrpSpPr>
-        <p:grpSpPr>
-          <a:xfrm>
-            <a:off x="8921466" y="3927338"/>
-            <a:ext cx="714300" cy="1264500"/>
-            <a:chOff x="7155962" y="1384607"/>
-            <a:chExt cx="714300" cy="1264500"/>
-          </a:xfrm>
-        </p:grpSpPr>
-        <p:sp>
-          <p:nvSpPr>
-            <p:cNvPr id="563" name="Google Shape;563;p27"/>
-            <p:cNvSpPr/>
-            <p:nvPr/>
-          </p:nvSpPr>
-          <p:spPr>
-            <a:xfrm>
-              <a:off x="7167935" y="1716206"/>
-              <a:ext cx="690300" cy="909900"/>
-            </a:xfrm>
-            <a:prstGeom prst="rect">
-              <a:avLst/>
-            </a:prstGeom>
+      <p:sp>
+        <p:nvSpPr>
+          <p:cNvPr id="564" name="Google Shape;564;p27"/>
+          <p:cNvSpPr/>
+          <p:nvPr/>
+        </p:nvSpPr>
+        <p:spPr>
+          <a:xfrm>
+            <a:off x="8933439" y="3927338"/>
+            <a:ext cx="690300" cy="1264500"/>
+          </a:xfrm>
+          <a:prstGeom prst="rect">
+            <a:avLst/>
+          </a:prstGeom>
+          <a:noFill/>
+          <a:ln w="38100" cap="flat" cmpd="sng">
             <a:solidFill>
-              <a:srgbClr val="CBECFA"/>
+              <a:srgbClr val="000000"/>
             </a:solidFill>
-            <a:ln>
-              <a:noFill/>
-            </a:ln>
-          </p:spPr>
-          <p:txBody>
-            <a:bodyPr spcFirstLastPara="1" wrap="square" lIns="36150" tIns="36150" rIns="36150" bIns="36150" anchor="ctr" anchorCtr="0">
-              <a:noAutofit/>
-            </a:bodyPr>
-            <a:lstStyle/>
-            <a:p>
-              <a:pPr marL="0" marR="0" lvl="0" indent="0" algn="ctr" rtl="0">
-                <a:lnSpc>
-                  <a:spcPct val="50000"/>
-                </a:lnSpc>
-                <a:spcBef>
-                  <a:spcPts val="0"/>
-                </a:spcBef>
-                <a:spcAft>
-                  <a:spcPts val="0"/>
-                </a:spcAft>
-                <a:buClr>
-                  <a:srgbClr val="000000"/>
-                </a:buClr>
-                <a:buSzPts val="3400"/>
-                <a:buFont typeface="Arial"/>
-                <a:buNone/>
-              </a:pPr>
-              <a:endParaRPr sz="3400" b="0" i="0" u="none" strike="noStrike" cap="none">
-                <a:solidFill>
-                  <a:srgbClr val="000000"/>
-                </a:solidFill>
-                <a:latin typeface="Arial"/>
-                <a:ea typeface="Arial"/>
-                <a:cs typeface="Arial"/>
-                <a:sym typeface="Arial"/>
-              </a:endParaRPr>
-            </a:p>
-          </p:txBody>
-        </p:sp>
-        <p:sp>
-          <p:nvSpPr>
-            <p:cNvPr id="564" name="Google Shape;564;p27"/>
-            <p:cNvSpPr/>
-            <p:nvPr/>
-          </p:nvSpPr>
-          <p:spPr>
-            <a:xfrm>
-              <a:off x="7167935" y="1384607"/>
-              <a:ext cx="690300" cy="1264500"/>
-            </a:xfrm>
-            <a:prstGeom prst="rect">
-              <a:avLst/>
-            </a:prstGeom>
-            <a:noFill/>
-            <a:ln w="38100" cap="flat" cmpd="sng">
-              <a:solidFill>
-                <a:srgbClr val="000000"/>
-              </a:solidFill>
-              <a:prstDash val="solid"/>
-              <a:miter lim="400000"/>
-              <a:headEnd type="none" w="sm" len="sm"/>
-              <a:tailEnd type="none" w="sm" len="sm"/>
-            </a:ln>
-          </p:spPr>
-          <p:txBody>
-            <a:bodyPr spcFirstLastPara="1" wrap="square" lIns="36150" tIns="36150" rIns="36150" bIns="36150" anchor="ctr" anchorCtr="0">
-              <a:noAutofit/>
-            </a:bodyPr>
-            <a:lstStyle/>
-            <a:p>
-              <a:pPr marL="0" marR="0" lvl="0" indent="0" algn="ctr" rtl="0">
-                <a:lnSpc>
-                  <a:spcPct val="50000"/>
-                </a:lnSpc>
-                <a:spcBef>
-                  <a:spcPts val="0"/>
-                </a:spcBef>
-                <a:spcAft>
-                  <a:spcPts val="0"/>
-                </a:spcAft>
-                <a:buClr>
-                  <a:srgbClr val="000000"/>
-                </a:buClr>
-                <a:buSzPts val="3400"/>
-                <a:buFont typeface="Arial"/>
-                <a:buNone/>
-              </a:pPr>
-              <a:endParaRPr sz="3400" b="0" i="0" u="none" strike="noStrike" cap="none">
-                <a:solidFill>
-                  <a:srgbClr val="000000"/>
-                </a:solidFill>
-                <a:latin typeface="Arial"/>
-                <a:ea typeface="Arial"/>
-                <a:cs typeface="Arial"/>
-                <a:sym typeface="Arial"/>
-              </a:endParaRPr>
-            </a:p>
-          </p:txBody>
-        </p:sp>
-        <p:cxnSp>
-          <p:nvCxnSpPr>
-            <p:cNvPr id="565" name="Google Shape;565;p27"/>
-            <p:cNvCxnSpPr/>
-            <p:nvPr/>
-          </p:nvCxnSpPr>
-          <p:spPr>
-            <a:xfrm>
-              <a:off x="7155962" y="1725294"/>
-              <a:ext cx="714300" cy="0"/>
-            </a:xfrm>
-            <a:prstGeom prst="straightConnector1">
-              <a:avLst/>
-            </a:prstGeom>
-            <a:noFill/>
-            <a:ln w="19050" cap="flat" cmpd="sng">
-              <a:solidFill>
-                <a:srgbClr val="000000"/>
-              </a:solidFill>
-              <a:prstDash val="solid"/>
-              <a:miter lim="400000"/>
-              <a:headEnd type="none" w="sm" len="sm"/>
-              <a:tailEnd type="none" w="sm" len="sm"/>
-            </a:ln>
-          </p:spPr>
-        </p:cxnSp>
-      </p:grpSp>
+            <a:prstDash val="solid"/>
+            <a:miter lim="400000"/>
+            <a:headEnd type="none" w="sm" len="sm"/>
+            <a:tailEnd type="none" w="sm" len="sm"/>
+          </a:ln>
+        </p:spPr>
+        <p:txBody>
+          <a:bodyPr spcFirstLastPara="1" wrap="square" lIns="36150" tIns="36150" rIns="36150" bIns="36150" anchor="ctr" anchorCtr="0">
+            <a:noAutofit/>
+          </a:bodyPr>
+          <a:lstStyle/>
+          <a:p>
+            <a:pPr marL="0" marR="0" lvl="0" indent="0" algn="ctr" rtl="0">
+              <a:lnSpc>
+                <a:spcPct val="50000"/>
+              </a:lnSpc>
+              <a:spcBef>
+                <a:spcPts val="0"/>
+              </a:spcBef>
+              <a:spcAft>
+                <a:spcPts val="0"/>
+              </a:spcAft>
+              <a:buClr>
+                <a:srgbClr val="000000"/>
+              </a:buClr>
+              <a:buSzPts val="3400"/>
+              <a:buFont typeface="Arial"/>
+              <a:buNone/>
+            </a:pPr>
+            <a:endParaRPr sz="3400" b="0" i="0" u="none" strike="noStrike" cap="none">
+              <a:solidFill>
+                <a:srgbClr val="000000"/>
+              </a:solidFill>
+              <a:latin typeface="Arial"/>
+              <a:ea typeface="Arial"/>
+              <a:cs typeface="Arial"/>
+              <a:sym typeface="Arial"/>
+            </a:endParaRPr>
+          </a:p>
+        </p:txBody>
+      </p:sp>
       <p:sp>
         <p:nvSpPr>
           <p:cNvPr id="566" name="Google Shape;566;p27"/>
@@ -12762,15 +12151,43 @@
           </a:p>
         </p:txBody>
       </p:sp>
+      <p:cxnSp>
+        <p:nvCxnSpPr>
+          <p:cNvPr id="570" name="Google Shape;570;p27"/>
+          <p:cNvCxnSpPr>
+            <a:cxnSpLocks/>
+          </p:cNvCxnSpPr>
+          <p:nvPr/>
+        </p:nvCxnSpPr>
+        <p:spPr>
+          <a:xfrm flipH="1" flipV="1">
+            <a:off x="7387769" y="5151531"/>
+            <a:ext cx="1549743" cy="1305170"/>
+          </a:xfrm>
+          <a:prstGeom prst="straightConnector1">
+            <a:avLst/>
+          </a:prstGeom>
+          <a:noFill/>
+          <a:ln w="28575" cap="flat" cmpd="sng">
+            <a:solidFill>
+              <a:srgbClr val="000000"/>
+            </a:solidFill>
+            <a:prstDash val="solid"/>
+            <a:miter lim="400000"/>
+            <a:headEnd type="stealth" w="med" len="med"/>
+            <a:tailEnd type="none" w="sm" len="sm"/>
+          </a:ln>
+        </p:spPr>
+      </p:cxnSp>
       <p:sp>
         <p:nvSpPr>
-          <p:cNvPr id="567" name="Google Shape;567;p27"/>
+          <p:cNvPr id="571" name="Google Shape;571;p27"/>
           <p:cNvSpPr/>
           <p:nvPr/>
         </p:nvSpPr>
         <p:spPr>
           <a:xfrm>
-            <a:off x="7895662" y="4458556"/>
+            <a:off x="7922619" y="5584608"/>
             <a:ext cx="247500" cy="247500"/>
           </a:xfrm>
           <a:prstGeom prst="rect">
@@ -12824,192 +12241,16 @@
           </a:p>
         </p:txBody>
       </p:sp>
-      <p:cxnSp>
-        <p:nvCxnSpPr>
-          <p:cNvPr id="568" name="Google Shape;568;p27"/>
-          <p:cNvCxnSpPr/>
-          <p:nvPr/>
-        </p:nvCxnSpPr>
-        <p:spPr>
-          <a:xfrm rot="10800000">
-            <a:off x="9276978" y="2909900"/>
-            <a:ext cx="0" cy="912000"/>
-          </a:xfrm>
-          <a:prstGeom prst="straightConnector1">
-            <a:avLst/>
-          </a:prstGeom>
-          <a:noFill/>
-          <a:ln w="28575" cap="flat" cmpd="sng">
-            <a:solidFill>
-              <a:srgbClr val="000000"/>
-            </a:solidFill>
-            <a:prstDash val="solid"/>
-            <a:miter lim="400000"/>
-            <a:headEnd type="none" w="sm" len="sm"/>
-            <a:tailEnd type="stealth" w="med" len="med"/>
-          </a:ln>
-        </p:spPr>
-      </p:cxnSp>
       <p:sp>
         <p:nvSpPr>
-          <p:cNvPr id="569" name="Google Shape;569;p27"/>
-          <p:cNvSpPr/>
+          <p:cNvPr id="574" name="Google Shape;574;p27"/>
+          <p:cNvSpPr txBox="1"/>
           <p:nvPr/>
         </p:nvSpPr>
         <p:spPr>
           <a:xfrm>
-            <a:off x="9157424" y="3236267"/>
-            <a:ext cx="247500" cy="247500"/>
-          </a:xfrm>
-          <a:prstGeom prst="rect">
-            <a:avLst/>
-          </a:prstGeom>
-          <a:solidFill>
-            <a:srgbClr val="CBECFA"/>
-          </a:solidFill>
-          <a:ln w="28575" cap="flat" cmpd="sng">
-            <a:solidFill>
-              <a:srgbClr val="000000"/>
-            </a:solidFill>
-            <a:prstDash val="solid"/>
-            <a:round/>
-            <a:headEnd type="none" w="sm" len="sm"/>
-            <a:tailEnd type="none" w="sm" len="sm"/>
-          </a:ln>
-        </p:spPr>
-        <p:txBody>
-          <a:bodyPr spcFirstLastPara="1" wrap="square" lIns="91425" tIns="91425" rIns="91425" bIns="91425" anchor="ctr" anchorCtr="0">
-            <a:noAutofit/>
-          </a:bodyPr>
-          <a:lstStyle/>
-          <a:p>
-            <a:pPr marL="0" marR="0" lvl="0" indent="0" algn="l" rtl="0">
-              <a:lnSpc>
-                <a:spcPct val="100000"/>
-              </a:lnSpc>
-              <a:spcBef>
-                <a:spcPts val="0"/>
-              </a:spcBef>
-              <a:spcAft>
-                <a:spcPts val="0"/>
-              </a:spcAft>
-              <a:buClr>
-                <a:srgbClr val="000000"/>
-              </a:buClr>
-              <a:buSzPts val="1400"/>
-              <a:buFont typeface="Arial"/>
-              <a:buNone/>
-            </a:pPr>
-            <a:endParaRPr sz="1400" b="0" i="0" u="none" strike="noStrike" cap="none">
-              <a:solidFill>
-                <a:srgbClr val="000000"/>
-              </a:solidFill>
-              <a:latin typeface="Arial"/>
-              <a:ea typeface="Arial"/>
-              <a:cs typeface="Arial"/>
-              <a:sym typeface="Arial"/>
-            </a:endParaRPr>
-          </a:p>
-        </p:txBody>
-      </p:sp>
-      <p:cxnSp>
-        <p:nvCxnSpPr>
-          <p:cNvPr id="570" name="Google Shape;570;p27"/>
-          <p:cNvCxnSpPr/>
-          <p:nvPr/>
-        </p:nvCxnSpPr>
-        <p:spPr>
-          <a:xfrm>
-            <a:off x="7441625" y="1959866"/>
-            <a:ext cx="1200000" cy="0"/>
-          </a:xfrm>
-          <a:prstGeom prst="straightConnector1">
-            <a:avLst/>
-          </a:prstGeom>
-          <a:noFill/>
-          <a:ln w="28575" cap="flat" cmpd="sng">
-            <a:solidFill>
-              <a:srgbClr val="000000"/>
-            </a:solidFill>
-            <a:prstDash val="solid"/>
-            <a:miter lim="400000"/>
-            <a:headEnd type="stealth" w="med" len="med"/>
-            <a:tailEnd type="none" w="sm" len="sm"/>
-          </a:ln>
-        </p:spPr>
-      </p:cxnSp>
-      <p:sp>
-        <p:nvSpPr>
-          <p:cNvPr id="571" name="Google Shape;571;p27"/>
-          <p:cNvSpPr/>
-          <p:nvPr/>
-        </p:nvSpPr>
-        <p:spPr>
-          <a:xfrm>
-            <a:off x="7895662" y="1838923"/>
-            <a:ext cx="247500" cy="247500"/>
-          </a:xfrm>
-          <a:prstGeom prst="rect">
-            <a:avLst/>
-          </a:prstGeom>
-          <a:solidFill>
-            <a:srgbClr val="CBECFA"/>
-          </a:solidFill>
-          <a:ln w="28575" cap="flat" cmpd="sng">
-            <a:solidFill>
-              <a:srgbClr val="000000"/>
-            </a:solidFill>
-            <a:prstDash val="solid"/>
-            <a:round/>
-            <a:headEnd type="none" w="sm" len="sm"/>
-            <a:tailEnd type="none" w="sm" len="sm"/>
-          </a:ln>
-        </p:spPr>
-        <p:txBody>
-          <a:bodyPr spcFirstLastPara="1" wrap="square" lIns="91425" tIns="91425" rIns="91425" bIns="91425" anchor="ctr" anchorCtr="0">
-            <a:noAutofit/>
-          </a:bodyPr>
-          <a:lstStyle/>
-          <a:p>
-            <a:pPr marL="0" marR="0" lvl="0" indent="0" algn="l" rtl="0">
-              <a:lnSpc>
-                <a:spcPct val="100000"/>
-              </a:lnSpc>
-              <a:spcBef>
-                <a:spcPts val="0"/>
-              </a:spcBef>
-              <a:spcAft>
-                <a:spcPts val="0"/>
-              </a:spcAft>
-              <a:buClr>
-                <a:srgbClr val="000000"/>
-              </a:buClr>
-              <a:buSzPts val="1400"/>
-              <a:buFont typeface="Arial"/>
-              <a:buNone/>
-            </a:pPr>
-            <a:endParaRPr sz="1400" b="0" i="0" u="none" strike="noStrike" cap="none">
-              <a:solidFill>
-                <a:srgbClr val="000000"/>
-              </a:solidFill>
-              <a:latin typeface="Arial"/>
-              <a:ea typeface="Arial"/>
-              <a:cs typeface="Arial"/>
-              <a:sym typeface="Arial"/>
-            </a:endParaRPr>
-          </a:p>
-        </p:txBody>
-      </p:sp>
-      <p:sp>
-        <p:nvSpPr>
-          <p:cNvPr id="572" name="Google Shape;572;p27"/>
-          <p:cNvSpPr txBox="1"/>
-          <p:nvPr/>
-        </p:nvSpPr>
-        <p:spPr>
-          <a:xfrm>
-            <a:off x="7559070" y="2153363"/>
-            <a:ext cx="1042800" cy="306000"/>
+            <a:off x="5250485" y="7786002"/>
+            <a:ext cx="1067400" cy="363300"/>
           </a:xfrm>
           <a:prstGeom prst="rect">
             <a:avLst/>
@@ -13037,15 +12278,10 @@
               <a:spcAft>
                 <a:spcPts val="0"/>
               </a:spcAft>
-              <a:buClr>
-                <a:srgbClr val="000000"/>
-              </a:buClr>
-              <a:buSzPts val="1000"/>
-              <a:buFont typeface="Arial"/>
               <a:buNone/>
             </a:pPr>
             <a:r>
-              <a:rPr lang="ja" sz="1400" b="0" i="0" u="none" strike="noStrike" cap="none">
+              <a:rPr lang="ja-JP" altLang="en-US" sz="1400" b="0" i="0" u="none" strike="noStrike" cap="none" dirty="0">
                 <a:solidFill>
                   <a:srgbClr val="000000"/>
                 </a:solidFill>
@@ -13054,140 +12290,9 @@
                 <a:cs typeface="Arial"/>
                 <a:sym typeface="Arial"/>
               </a:rPr>
-              <a:t>情報の流れ</a:t>
+              <a:t>製作依頼</a:t>
             </a:r>
-            <a:endParaRPr sz="1400" b="0" i="0" u="none" strike="noStrike" cap="none">
-              <a:solidFill>
-                <a:srgbClr val="000000"/>
-              </a:solidFill>
-              <a:latin typeface="Arial"/>
-              <a:ea typeface="Arial"/>
-              <a:cs typeface="Arial"/>
-              <a:sym typeface="Arial"/>
-            </a:endParaRPr>
-          </a:p>
-        </p:txBody>
-      </p:sp>
-      <p:sp>
-        <p:nvSpPr>
-          <p:cNvPr id="573" name="Google Shape;573;p27"/>
-          <p:cNvSpPr txBox="1"/>
-          <p:nvPr/>
-        </p:nvSpPr>
-        <p:spPr>
-          <a:xfrm>
-            <a:off x="7559070" y="4118087"/>
-            <a:ext cx="1042800" cy="306000"/>
-          </a:xfrm>
-          <a:prstGeom prst="rect">
-            <a:avLst/>
-          </a:prstGeom>
-          <a:solidFill>
-            <a:srgbClr val="FFFFFF"/>
-          </a:solidFill>
-          <a:ln>
-            <a:noFill/>
-          </a:ln>
-        </p:spPr>
-        <p:txBody>
-          <a:bodyPr spcFirstLastPara="1" wrap="square" lIns="36150" tIns="36150" rIns="36150" bIns="36150" anchor="ctr" anchorCtr="0">
-            <a:noAutofit/>
-          </a:bodyPr>
-          <a:lstStyle/>
-          <a:p>
-            <a:pPr marL="0" marR="0" lvl="0" indent="0" algn="l" rtl="0">
-              <a:lnSpc>
-                <a:spcPct val="100000"/>
-              </a:lnSpc>
-              <a:spcBef>
-                <a:spcPts val="0"/>
-              </a:spcBef>
-              <a:spcAft>
-                <a:spcPts val="0"/>
-              </a:spcAft>
-              <a:buClr>
-                <a:srgbClr val="000000"/>
-              </a:buClr>
-              <a:buSzPts val="1000"/>
-              <a:buFont typeface="Arial"/>
-              <a:buNone/>
-            </a:pPr>
-            <a:r>
-              <a:rPr lang="ja" sz="1400" b="0" i="0" u="none" strike="noStrike" cap="none">
-                <a:solidFill>
-                  <a:srgbClr val="000000"/>
-                </a:solidFill>
-                <a:latin typeface="Arial"/>
-                <a:ea typeface="Arial"/>
-                <a:cs typeface="Arial"/>
-                <a:sym typeface="Arial"/>
-              </a:rPr>
-              <a:t>情報の流れ</a:t>
-            </a:r>
-            <a:endParaRPr sz="1400" b="0" i="0" u="none" strike="noStrike" cap="none">
-              <a:solidFill>
-                <a:srgbClr val="000000"/>
-              </a:solidFill>
-              <a:latin typeface="Arial"/>
-              <a:ea typeface="Arial"/>
-              <a:cs typeface="Arial"/>
-              <a:sym typeface="Arial"/>
-            </a:endParaRPr>
-          </a:p>
-        </p:txBody>
-      </p:sp>
-      <p:sp>
-        <p:nvSpPr>
-          <p:cNvPr id="574" name="Google Shape;574;p27"/>
-          <p:cNvSpPr txBox="1"/>
-          <p:nvPr/>
-        </p:nvSpPr>
-        <p:spPr>
-          <a:xfrm>
-            <a:off x="5127896" y="7378783"/>
-            <a:ext cx="1067400" cy="363300"/>
-          </a:xfrm>
-          <a:prstGeom prst="rect">
-            <a:avLst/>
-          </a:prstGeom>
-          <a:solidFill>
-            <a:srgbClr val="FFFFFF"/>
-          </a:solidFill>
-          <a:ln>
-            <a:noFill/>
-          </a:ln>
-        </p:spPr>
-        <p:txBody>
-          <a:bodyPr spcFirstLastPara="1" wrap="square" lIns="36150" tIns="36150" rIns="36150" bIns="36150" anchor="ctr" anchorCtr="0">
-            <a:noAutofit/>
-          </a:bodyPr>
-          <a:lstStyle/>
-          <a:p>
-            <a:pPr marL="0" marR="0" lvl="0" indent="0" algn="l" rtl="0">
-              <a:lnSpc>
-                <a:spcPct val="100000"/>
-              </a:lnSpc>
-              <a:spcBef>
-                <a:spcPts val="0"/>
-              </a:spcBef>
-              <a:spcAft>
-                <a:spcPts val="0"/>
-              </a:spcAft>
-              <a:buNone/>
-            </a:pPr>
-            <a:r>
-              <a:rPr lang="ja" sz="1400" b="0" i="0" u="none" strike="noStrike" cap="none">
-                <a:solidFill>
-                  <a:srgbClr val="000000"/>
-                </a:solidFill>
-                <a:latin typeface="Arial"/>
-                <a:ea typeface="Arial"/>
-                <a:cs typeface="Arial"/>
-                <a:sym typeface="Arial"/>
-              </a:rPr>
-              <a:t>カネの流れ</a:t>
-            </a:r>
-            <a:endParaRPr sz="1400" b="0" i="0" u="none" strike="noStrike" cap="none">
+            <a:endParaRPr sz="1400" b="0" i="0" u="none" strike="noStrike" cap="none" dirty="0">
               <a:solidFill>
                 <a:srgbClr val="000000"/>
               </a:solidFill>
@@ -13207,7 +12312,7 @@
         </p:nvSpPr>
         <p:spPr>
           <a:xfrm>
-            <a:off x="7586891" y="7378783"/>
+            <a:off x="7577540" y="7761562"/>
             <a:ext cx="1067400" cy="363300"/>
           </a:xfrm>
           <a:prstGeom prst="rect">
@@ -13239,86 +12344,10 @@
               <a:buNone/>
             </a:pPr>
             <a:r>
-              <a:rPr lang="ja" sz="1400" b="0" i="0" u="none" strike="noStrike" cap="none">
-                <a:solidFill>
-                  <a:srgbClr val="000000"/>
-                </a:solidFill>
-                <a:latin typeface="Arial"/>
-                <a:ea typeface="Arial"/>
-                <a:cs typeface="Arial"/>
-                <a:sym typeface="Arial"/>
-              </a:rPr>
-              <a:t>カネの流れ</a:t>
+              <a:rPr lang="ja-JP" altLang="en-US" dirty="0"/>
+              <a:t>　契約料</a:t>
             </a:r>
-            <a:endParaRPr sz="1400" b="0" i="0" u="none" strike="noStrike" cap="none">
-              <a:solidFill>
-                <a:srgbClr val="000000"/>
-              </a:solidFill>
-              <a:latin typeface="Arial"/>
-              <a:ea typeface="Arial"/>
-              <a:cs typeface="Arial"/>
-              <a:sym typeface="Arial"/>
-            </a:endParaRPr>
-          </a:p>
-        </p:txBody>
-      </p:sp>
-      <p:sp>
-        <p:nvSpPr>
-          <p:cNvPr id="576" name="Google Shape;576;p27"/>
-          <p:cNvSpPr txBox="1"/>
-          <p:nvPr/>
-        </p:nvSpPr>
-        <p:spPr>
-          <a:xfrm>
-            <a:off x="9505825" y="5802403"/>
-            <a:ext cx="1086000" cy="409500"/>
-          </a:xfrm>
-          <a:prstGeom prst="rect">
-            <a:avLst/>
-          </a:prstGeom>
-          <a:solidFill>
-            <a:srgbClr val="FFFFFF"/>
-          </a:solidFill>
-          <a:ln>
-            <a:noFill/>
-          </a:ln>
-        </p:spPr>
-        <p:txBody>
-          <a:bodyPr spcFirstLastPara="1" wrap="square" lIns="36150" tIns="36150" rIns="36150" bIns="36150" anchor="ctr" anchorCtr="0">
-            <a:noAutofit/>
-          </a:bodyPr>
-          <a:lstStyle/>
-          <a:p>
-            <a:pPr marL="0" marR="0" lvl="0" indent="0" algn="l" rtl="0">
-              <a:lnSpc>
-                <a:spcPct val="100000"/>
-              </a:lnSpc>
-              <a:spcBef>
-                <a:spcPts val="0"/>
-              </a:spcBef>
-              <a:spcAft>
-                <a:spcPts val="0"/>
-              </a:spcAft>
-              <a:buClr>
-                <a:srgbClr val="000000"/>
-              </a:buClr>
-              <a:buSzPts val="1000"/>
-              <a:buFont typeface="Arial"/>
-              <a:buNone/>
-            </a:pPr>
-            <a:r>
-              <a:rPr lang="ja" sz="1400" b="0" i="0" u="none" strike="noStrike" cap="none">
-                <a:solidFill>
-                  <a:srgbClr val="000000"/>
-                </a:solidFill>
-                <a:latin typeface="Arial"/>
-                <a:ea typeface="Arial"/>
-                <a:cs typeface="Arial"/>
-                <a:sym typeface="Arial"/>
-              </a:rPr>
-              <a:t>情報の流れ</a:t>
-            </a:r>
-            <a:endParaRPr sz="1400" b="0" i="0" u="none" strike="noStrike" cap="none">
+            <a:endParaRPr sz="1400" b="0" i="0" u="none" strike="noStrike" cap="none" dirty="0">
               <a:solidFill>
                 <a:srgbClr val="000000"/>
               </a:solidFill>
@@ -13370,18 +12399,10 @@
               <a:buNone/>
             </a:pPr>
             <a:r>
-              <a:rPr lang="ja" sz="1400" b="0" i="0" u="none" strike="noStrike" cap="none">
-                <a:solidFill>
-                  <a:srgbClr val="000000"/>
-                </a:solidFill>
-                <a:latin typeface="Arial"/>
-                <a:ea typeface="Arial"/>
-                <a:cs typeface="Arial"/>
-                <a:sym typeface="Arial"/>
-              </a:rPr>
-              <a:t>カネの流れ</a:t>
+              <a:rPr lang="ja-JP" altLang="en-US" dirty="0"/>
+              <a:t>月額利用料</a:t>
             </a:r>
-            <a:endParaRPr sz="1400" b="0" i="0" u="none" strike="noStrike" cap="none">
+            <a:endParaRPr sz="1400" b="0" i="0" u="none" strike="noStrike" cap="none" dirty="0">
               <a:solidFill>
                 <a:srgbClr val="000000"/>
               </a:solidFill>
@@ -13554,8 +12575,8 @@
         </p:nvSpPr>
         <p:spPr>
           <a:xfrm>
-            <a:off x="3131697" y="3497301"/>
-            <a:ext cx="1067400" cy="363300"/>
+            <a:off x="3360657" y="3172484"/>
+            <a:ext cx="692088" cy="265541"/>
           </a:xfrm>
           <a:prstGeom prst="rect">
             <a:avLst/>
@@ -13591,18 +12612,10 @@
               <a:buNone/>
             </a:pPr>
             <a:r>
-              <a:rPr lang="ja" sz="1400" b="0" i="0" u="none" strike="noStrike" cap="none">
-                <a:solidFill>
-                  <a:srgbClr val="000000"/>
-                </a:solidFill>
-                <a:latin typeface="Arial"/>
-                <a:ea typeface="Arial"/>
-                <a:cs typeface="Arial"/>
-                <a:sym typeface="Arial"/>
-              </a:rPr>
-              <a:t>カネの流れ</a:t>
+              <a:rPr lang="ja-JP" altLang="en-US" dirty="0"/>
+              <a:t>購入料</a:t>
             </a:r>
-            <a:endParaRPr sz="1400" b="0" i="0" u="none" strike="noStrike" cap="none">
+            <a:endParaRPr sz="1400" b="0" i="0" u="none" strike="noStrike" cap="none" dirty="0">
               <a:solidFill>
                 <a:srgbClr val="000000"/>
               </a:solidFill>
@@ -13762,7 +12775,7 @@
         <p:spPr>
           <a:xfrm>
             <a:off x="4686188" y="3487076"/>
-            <a:ext cx="1067400" cy="363300"/>
+            <a:ext cx="564297" cy="281822"/>
           </a:xfrm>
           <a:prstGeom prst="rect">
             <a:avLst/>
@@ -13798,18 +12811,10 @@
               <a:buNone/>
             </a:pPr>
             <a:r>
-              <a:rPr lang="ja" sz="1400" b="0" i="0" u="none" strike="noStrike" cap="none">
-                <a:solidFill>
-                  <a:srgbClr val="000000"/>
-                </a:solidFill>
-                <a:latin typeface="Arial"/>
-                <a:ea typeface="Arial"/>
-                <a:cs typeface="Arial"/>
-                <a:sym typeface="Arial"/>
-              </a:rPr>
-              <a:t>モノの流れ</a:t>
+              <a:rPr lang="ja-JP" altLang="en-US" dirty="0"/>
+              <a:t>水筒</a:t>
             </a:r>
-            <a:endParaRPr sz="1400" b="0" i="0" u="none" strike="noStrike" cap="none">
+            <a:endParaRPr sz="1400" b="0" i="0" u="none" strike="noStrike" cap="none" dirty="0">
               <a:solidFill>
                 <a:srgbClr val="000000"/>
               </a:solidFill>
@@ -13823,94 +12828,6 @@
       </p:sp>
       <p:sp>
         <p:nvSpPr>
-          <p:cNvPr id="584" name="Google Shape;584;p27"/>
-          <p:cNvSpPr/>
-          <p:nvPr/>
-        </p:nvSpPr>
-        <p:spPr>
-          <a:xfrm>
-            <a:off x="89818" y="227531"/>
-            <a:ext cx="2698200" cy="523200"/>
-          </a:xfrm>
-          <a:prstGeom prst="rect">
-            <a:avLst/>
-          </a:prstGeom>
-          <a:noFill/>
-          <a:ln>
-            <a:noFill/>
-          </a:ln>
-        </p:spPr>
-        <p:txBody>
-          <a:bodyPr spcFirstLastPara="1" wrap="square" lIns="91425" tIns="45700" rIns="91425" bIns="45700" anchor="t" anchorCtr="0">
-            <a:noAutofit/>
-          </a:bodyPr>
-          <a:lstStyle/>
-          <a:p>
-            <a:pPr marL="0" marR="0" lvl="0" indent="0" algn="l" rtl="0">
-              <a:lnSpc>
-                <a:spcPct val="100000"/>
-              </a:lnSpc>
-              <a:spcBef>
-                <a:spcPts val="0"/>
-              </a:spcBef>
-              <a:spcAft>
-                <a:spcPts val="0"/>
-              </a:spcAft>
-              <a:buNone/>
-            </a:pPr>
-            <a:r>
-              <a:rPr lang="ja" sz="1400" b="0" i="0" u="none" strike="noStrike" cap="none">
-                <a:solidFill>
-                  <a:srgbClr val="000000"/>
-                </a:solidFill>
-                <a:latin typeface="Arial"/>
-                <a:ea typeface="Arial"/>
-                <a:cs typeface="Arial"/>
-                <a:sym typeface="Arial"/>
-              </a:rPr>
-              <a:t>※こちらのシートをコピーして</a:t>
-            </a:r>
-            <a:endParaRPr sz="1400" b="0" i="0" u="none" strike="noStrike" cap="none">
-              <a:solidFill>
-                <a:srgbClr val="000000"/>
-              </a:solidFill>
-              <a:latin typeface="Arial"/>
-              <a:ea typeface="Arial"/>
-              <a:cs typeface="Arial"/>
-              <a:sym typeface="Arial"/>
-            </a:endParaRPr>
-          </a:p>
-          <a:p>
-            <a:pPr marL="0" marR="0" lvl="0" indent="0" algn="l" rtl="0">
-              <a:lnSpc>
-                <a:spcPct val="100000"/>
-              </a:lnSpc>
-              <a:spcBef>
-                <a:spcPts val="0"/>
-              </a:spcBef>
-              <a:spcAft>
-                <a:spcPts val="0"/>
-              </a:spcAft>
-              <a:buNone/>
-            </a:pPr>
-            <a:r>
-              <a:rPr lang="ja" sz="1400" b="0" i="0" u="none" strike="noStrike" cap="none">
-                <a:solidFill>
-                  <a:srgbClr val="000000"/>
-                </a:solidFill>
-                <a:latin typeface="Arial"/>
-                <a:ea typeface="Arial"/>
-                <a:cs typeface="Arial"/>
-                <a:sym typeface="Arial"/>
-              </a:rPr>
-              <a:t>編集すると便利です</a:t>
-            </a:r>
-            <a:endParaRPr/>
-          </a:p>
-        </p:txBody>
-      </p:sp>
-      <p:sp>
-        <p:nvSpPr>
           <p:cNvPr id="585" name="Google Shape;585;p27"/>
           <p:cNvSpPr/>
           <p:nvPr/>
@@ -13958,6 +12875,1041 @@
               <a:buNone/>
             </a:pPr>
             <a:endParaRPr sz="3400" b="0" i="0" u="none" strike="noStrike" cap="none">
+              <a:solidFill>
+                <a:srgbClr val="000000"/>
+              </a:solidFill>
+              <a:latin typeface="Arial"/>
+              <a:ea typeface="Arial"/>
+              <a:cs typeface="Arial"/>
+              <a:sym typeface="Arial"/>
+            </a:endParaRPr>
+          </a:p>
+        </p:txBody>
+      </p:sp>
+      <p:cxnSp>
+        <p:nvCxnSpPr>
+          <p:cNvPr id="4" name="Google Shape;189;p22">
+            <a:extLst>
+              <a:ext uri="{FF2B5EF4-FFF2-40B4-BE49-F238E27FC236}">
+                <a16:creationId xmlns:a16="http://schemas.microsoft.com/office/drawing/2014/main" id="{ACAC3868-FB97-FCFC-DCF9-DCE08530EFFA}"/>
+              </a:ext>
+            </a:extLst>
+          </p:cNvPr>
+          <p:cNvCxnSpPr/>
+          <p:nvPr/>
+        </p:nvCxnSpPr>
+        <p:spPr>
+          <a:xfrm>
+            <a:off x="7004133" y="2932651"/>
+            <a:ext cx="0" cy="897600"/>
+          </a:xfrm>
+          <a:prstGeom prst="straightConnector1">
+            <a:avLst/>
+          </a:prstGeom>
+          <a:noFill/>
+          <a:ln w="28575" cap="flat" cmpd="sng">
+            <a:solidFill>
+              <a:srgbClr val="000000"/>
+            </a:solidFill>
+            <a:prstDash val="solid"/>
+            <a:miter lim="400000"/>
+            <a:headEnd type="stealth" w="med" len="med"/>
+            <a:tailEnd type="none" w="sm" len="sm"/>
+          </a:ln>
+        </p:spPr>
+      </p:cxnSp>
+      <p:sp>
+        <p:nvSpPr>
+          <p:cNvPr id="5" name="Google Shape;192;p22">
+            <a:extLst>
+              <a:ext uri="{FF2B5EF4-FFF2-40B4-BE49-F238E27FC236}">
+                <a16:creationId xmlns:a16="http://schemas.microsoft.com/office/drawing/2014/main" id="{B18EA72A-B40B-1358-7BD4-E41ADE4F7DA5}"/>
+              </a:ext>
+            </a:extLst>
+          </p:cNvPr>
+          <p:cNvSpPr/>
+          <p:nvPr/>
+        </p:nvSpPr>
+        <p:spPr>
+          <a:xfrm>
+            <a:off x="6867831" y="3227112"/>
+            <a:ext cx="267000" cy="274500"/>
+          </a:xfrm>
+          <a:prstGeom prst="ellipse">
+            <a:avLst/>
+          </a:prstGeom>
+          <a:solidFill>
+            <a:srgbClr val="D4FCA9"/>
+          </a:solidFill>
+          <a:ln w="28575" cap="flat" cmpd="sng">
+            <a:solidFill>
+              <a:srgbClr val="000000"/>
+            </a:solidFill>
+            <a:prstDash val="solid"/>
+            <a:miter lim="400000"/>
+            <a:headEnd type="none" w="sm" len="sm"/>
+            <a:tailEnd type="none" w="sm" len="sm"/>
+          </a:ln>
+        </p:spPr>
+        <p:txBody>
+          <a:bodyPr spcFirstLastPara="1" wrap="square" lIns="36150" tIns="36150" rIns="36150" bIns="36150" anchor="ctr" anchorCtr="0">
+            <a:noAutofit/>
+          </a:bodyPr>
+          <a:lstStyle/>
+          <a:p>
+            <a:pPr marL="0" marR="0" lvl="0" indent="0" algn="ctr" rtl="0">
+              <a:lnSpc>
+                <a:spcPct val="100000"/>
+              </a:lnSpc>
+              <a:spcBef>
+                <a:spcPts val="0"/>
+              </a:spcBef>
+              <a:spcAft>
+                <a:spcPts val="0"/>
+              </a:spcAft>
+              <a:buClr>
+                <a:srgbClr val="000000"/>
+              </a:buClr>
+              <a:buSzPts val="3400"/>
+              <a:buFont typeface="Arial"/>
+              <a:buNone/>
+            </a:pPr>
+            <a:endParaRPr sz="3400" b="0" i="0" u="none" strike="noStrike" cap="none" dirty="0">
+              <a:solidFill>
+                <a:srgbClr val="000000"/>
+              </a:solidFill>
+              <a:latin typeface="Arial"/>
+              <a:ea typeface="Arial"/>
+              <a:cs typeface="Arial"/>
+              <a:sym typeface="Arial"/>
+            </a:endParaRPr>
+          </a:p>
+        </p:txBody>
+      </p:sp>
+      <p:cxnSp>
+        <p:nvCxnSpPr>
+          <p:cNvPr id="6" name="Google Shape;156;p22">
+            <a:extLst>
+              <a:ext uri="{FF2B5EF4-FFF2-40B4-BE49-F238E27FC236}">
+                <a16:creationId xmlns:a16="http://schemas.microsoft.com/office/drawing/2014/main" id="{F5970F9F-652E-AE07-1581-8D2F6A86A512}"/>
+              </a:ext>
+            </a:extLst>
+          </p:cNvPr>
+          <p:cNvCxnSpPr/>
+          <p:nvPr/>
+        </p:nvCxnSpPr>
+        <p:spPr>
+          <a:xfrm rot="10800000">
+            <a:off x="7440421" y="7544539"/>
+            <a:ext cx="1265400" cy="0"/>
+          </a:xfrm>
+          <a:prstGeom prst="straightConnector1">
+            <a:avLst/>
+          </a:prstGeom>
+          <a:noFill/>
+          <a:ln w="28575" cap="flat" cmpd="sng">
+            <a:solidFill>
+              <a:srgbClr val="000000"/>
+            </a:solidFill>
+            <a:prstDash val="solid"/>
+            <a:miter lim="400000"/>
+            <a:headEnd type="stealth" w="med" len="med"/>
+            <a:tailEnd type="none" w="sm" len="sm"/>
+          </a:ln>
+        </p:spPr>
+      </p:cxnSp>
+      <p:sp>
+        <p:nvSpPr>
+          <p:cNvPr id="7" name="Google Shape;191;p22">
+            <a:extLst>
+              <a:ext uri="{FF2B5EF4-FFF2-40B4-BE49-F238E27FC236}">
+                <a16:creationId xmlns:a16="http://schemas.microsoft.com/office/drawing/2014/main" id="{EB9793B2-3379-C4BC-0A35-E66A51F3A4E1}"/>
+              </a:ext>
+            </a:extLst>
+          </p:cNvPr>
+          <p:cNvSpPr/>
+          <p:nvPr/>
+        </p:nvSpPr>
+        <p:spPr>
+          <a:xfrm>
+            <a:off x="7939613" y="7413477"/>
+            <a:ext cx="267000" cy="274500"/>
+          </a:xfrm>
+          <a:prstGeom prst="roundRect">
+            <a:avLst>
+              <a:gd name="adj" fmla="val 22790"/>
+            </a:avLst>
+          </a:prstGeom>
+          <a:solidFill>
+            <a:srgbClr val="FFFC41"/>
+          </a:solidFill>
+          <a:ln w="28575" cap="flat" cmpd="sng">
+            <a:solidFill>
+              <a:srgbClr val="000000"/>
+            </a:solidFill>
+            <a:prstDash val="solid"/>
+            <a:miter lim="400000"/>
+            <a:headEnd type="none" w="sm" len="sm"/>
+            <a:tailEnd type="none" w="sm" len="sm"/>
+          </a:ln>
+        </p:spPr>
+        <p:txBody>
+          <a:bodyPr spcFirstLastPara="1" wrap="square" lIns="36150" tIns="36150" rIns="36150" bIns="36150" anchor="ctr" anchorCtr="0">
+            <a:noAutofit/>
+          </a:bodyPr>
+          <a:lstStyle/>
+          <a:p>
+            <a:pPr marL="0" marR="0" lvl="0" indent="0" algn="ctr" rtl="0">
+              <a:lnSpc>
+                <a:spcPct val="100000"/>
+              </a:lnSpc>
+              <a:spcBef>
+                <a:spcPts val="0"/>
+              </a:spcBef>
+              <a:spcAft>
+                <a:spcPts val="0"/>
+              </a:spcAft>
+              <a:buClr>
+                <a:srgbClr val="000000"/>
+              </a:buClr>
+              <a:buSzPts val="1300"/>
+              <a:buFont typeface="Arial"/>
+              <a:buNone/>
+            </a:pPr>
+            <a:r>
+              <a:rPr lang="ja" sz="1500" b="0" i="0" u="none" strike="noStrike" cap="none">
+                <a:solidFill>
+                  <a:srgbClr val="000000"/>
+                </a:solidFill>
+                <a:latin typeface="Arial"/>
+                <a:ea typeface="Arial"/>
+                <a:cs typeface="Arial"/>
+                <a:sym typeface="Arial"/>
+              </a:rPr>
+              <a:t>¥</a:t>
+            </a:r>
+            <a:endParaRPr sz="1200" b="0" i="0" u="none" strike="noStrike" cap="none">
+              <a:solidFill>
+                <a:srgbClr val="000000"/>
+              </a:solidFill>
+              <a:latin typeface="Arial"/>
+              <a:ea typeface="Arial"/>
+              <a:cs typeface="Arial"/>
+              <a:sym typeface="Arial"/>
+            </a:endParaRPr>
+          </a:p>
+        </p:txBody>
+      </p:sp>
+      <p:cxnSp>
+        <p:nvCxnSpPr>
+          <p:cNvPr id="8" name="Google Shape;176;p22">
+            <a:extLst>
+              <a:ext uri="{FF2B5EF4-FFF2-40B4-BE49-F238E27FC236}">
+                <a16:creationId xmlns:a16="http://schemas.microsoft.com/office/drawing/2014/main" id="{F710D63B-0405-4C2C-6068-596E22F4A582}"/>
+              </a:ext>
+            </a:extLst>
+          </p:cNvPr>
+          <p:cNvCxnSpPr/>
+          <p:nvPr/>
+        </p:nvCxnSpPr>
+        <p:spPr>
+          <a:xfrm>
+            <a:off x="7435329" y="6945729"/>
+            <a:ext cx="1261500" cy="0"/>
+          </a:xfrm>
+          <a:prstGeom prst="straightConnector1">
+            <a:avLst/>
+          </a:prstGeom>
+          <a:noFill/>
+          <a:ln w="28575" cap="flat" cmpd="sng">
+            <a:solidFill>
+              <a:srgbClr val="000000"/>
+            </a:solidFill>
+            <a:prstDash val="solid"/>
+            <a:miter lim="400000"/>
+            <a:headEnd type="stealth" w="med" len="med"/>
+            <a:tailEnd type="none" w="sm" len="sm"/>
+          </a:ln>
+        </p:spPr>
+      </p:cxnSp>
+      <p:sp>
+        <p:nvSpPr>
+          <p:cNvPr id="9" name="Google Shape;241;p22">
+            <a:extLst>
+              <a:ext uri="{FF2B5EF4-FFF2-40B4-BE49-F238E27FC236}">
+                <a16:creationId xmlns:a16="http://schemas.microsoft.com/office/drawing/2014/main" id="{E3B08DE5-F85C-BDCF-5785-9BAD18EC36F6}"/>
+              </a:ext>
+            </a:extLst>
+          </p:cNvPr>
+          <p:cNvSpPr/>
+          <p:nvPr/>
+        </p:nvSpPr>
+        <p:spPr>
+          <a:xfrm>
+            <a:off x="7941946" y="6811100"/>
+            <a:ext cx="267000" cy="274500"/>
+          </a:xfrm>
+          <a:prstGeom prst="ellipse">
+            <a:avLst/>
+          </a:prstGeom>
+          <a:solidFill>
+            <a:srgbClr val="D4FCA9"/>
+          </a:solidFill>
+          <a:ln w="28575" cap="flat" cmpd="sng">
+            <a:solidFill>
+              <a:srgbClr val="000000"/>
+            </a:solidFill>
+            <a:prstDash val="solid"/>
+            <a:miter lim="400000"/>
+            <a:headEnd type="none" w="sm" len="sm"/>
+            <a:tailEnd type="none" w="sm" len="sm"/>
+          </a:ln>
+        </p:spPr>
+        <p:txBody>
+          <a:bodyPr spcFirstLastPara="1" wrap="square" lIns="36150" tIns="36150" rIns="36150" bIns="36150" anchor="ctr" anchorCtr="0">
+            <a:noAutofit/>
+          </a:bodyPr>
+          <a:lstStyle/>
+          <a:p>
+            <a:pPr marL="0" marR="0" lvl="0" indent="0" algn="ctr" rtl="0">
+              <a:lnSpc>
+                <a:spcPct val="100000"/>
+              </a:lnSpc>
+              <a:spcBef>
+                <a:spcPts val="0"/>
+              </a:spcBef>
+              <a:spcAft>
+                <a:spcPts val="0"/>
+              </a:spcAft>
+              <a:buClr>
+                <a:srgbClr val="000000"/>
+              </a:buClr>
+              <a:buSzPts val="3400"/>
+              <a:buFont typeface="Arial"/>
+              <a:buNone/>
+            </a:pPr>
+            <a:endParaRPr sz="3400" b="0" i="0" u="none" strike="noStrike" cap="none">
+              <a:solidFill>
+                <a:srgbClr val="000000"/>
+              </a:solidFill>
+              <a:latin typeface="Arial"/>
+              <a:ea typeface="Arial"/>
+              <a:cs typeface="Arial"/>
+              <a:sym typeface="Arial"/>
+            </a:endParaRPr>
+          </a:p>
+        </p:txBody>
+      </p:sp>
+      <p:cxnSp>
+        <p:nvCxnSpPr>
+          <p:cNvPr id="10" name="Google Shape;189;p22">
+            <a:extLst>
+              <a:ext uri="{FF2B5EF4-FFF2-40B4-BE49-F238E27FC236}">
+                <a16:creationId xmlns:a16="http://schemas.microsoft.com/office/drawing/2014/main" id="{746ACDBA-333D-321E-2B17-28F78AB30F0B}"/>
+              </a:ext>
+            </a:extLst>
+          </p:cNvPr>
+          <p:cNvCxnSpPr/>
+          <p:nvPr/>
+        </p:nvCxnSpPr>
+        <p:spPr>
+          <a:xfrm>
+            <a:off x="4415123" y="5522744"/>
+            <a:ext cx="0" cy="897600"/>
+          </a:xfrm>
+          <a:prstGeom prst="straightConnector1">
+            <a:avLst/>
+          </a:prstGeom>
+          <a:noFill/>
+          <a:ln w="28575" cap="flat" cmpd="sng">
+            <a:solidFill>
+              <a:srgbClr val="000000"/>
+            </a:solidFill>
+            <a:prstDash val="solid"/>
+            <a:miter lim="400000"/>
+            <a:headEnd type="stealth" w="med" len="med"/>
+            <a:tailEnd type="none" w="sm" len="sm"/>
+          </a:ln>
+        </p:spPr>
+      </p:cxnSp>
+      <p:sp>
+        <p:nvSpPr>
+          <p:cNvPr id="11" name="Google Shape;192;p22">
+            <a:extLst>
+              <a:ext uri="{FF2B5EF4-FFF2-40B4-BE49-F238E27FC236}">
+                <a16:creationId xmlns:a16="http://schemas.microsoft.com/office/drawing/2014/main" id="{04A20C5C-0CC5-19F8-8EEE-C714971E912B}"/>
+              </a:ext>
+            </a:extLst>
+          </p:cNvPr>
+          <p:cNvSpPr/>
+          <p:nvPr/>
+        </p:nvSpPr>
+        <p:spPr>
+          <a:xfrm>
+            <a:off x="4278821" y="5817205"/>
+            <a:ext cx="267000" cy="274500"/>
+          </a:xfrm>
+          <a:prstGeom prst="ellipse">
+            <a:avLst/>
+          </a:prstGeom>
+          <a:solidFill>
+            <a:srgbClr val="D4FCA9"/>
+          </a:solidFill>
+          <a:ln w="28575" cap="flat" cmpd="sng">
+            <a:solidFill>
+              <a:srgbClr val="000000"/>
+            </a:solidFill>
+            <a:prstDash val="solid"/>
+            <a:miter lim="400000"/>
+            <a:headEnd type="none" w="sm" len="sm"/>
+            <a:tailEnd type="none" w="sm" len="sm"/>
+          </a:ln>
+        </p:spPr>
+        <p:txBody>
+          <a:bodyPr spcFirstLastPara="1" wrap="square" lIns="36150" tIns="36150" rIns="36150" bIns="36150" anchor="ctr" anchorCtr="0">
+            <a:noAutofit/>
+          </a:bodyPr>
+          <a:lstStyle/>
+          <a:p>
+            <a:pPr marL="0" marR="0" lvl="0" indent="0" algn="ctr" rtl="0">
+              <a:lnSpc>
+                <a:spcPct val="100000"/>
+              </a:lnSpc>
+              <a:spcBef>
+                <a:spcPts val="0"/>
+              </a:spcBef>
+              <a:spcAft>
+                <a:spcPts val="0"/>
+              </a:spcAft>
+              <a:buClr>
+                <a:srgbClr val="000000"/>
+              </a:buClr>
+              <a:buSzPts val="3400"/>
+              <a:buFont typeface="Arial"/>
+              <a:buNone/>
+            </a:pPr>
+            <a:endParaRPr sz="3400" b="0" i="0" u="none" strike="noStrike" cap="none" dirty="0">
+              <a:solidFill>
+                <a:srgbClr val="000000"/>
+              </a:solidFill>
+              <a:latin typeface="Arial"/>
+              <a:ea typeface="Arial"/>
+              <a:cs typeface="Arial"/>
+              <a:sym typeface="Arial"/>
+            </a:endParaRPr>
+          </a:p>
+        </p:txBody>
+      </p:sp>
+      <p:cxnSp>
+        <p:nvCxnSpPr>
+          <p:cNvPr id="14" name="Google Shape;513;p27">
+            <a:extLst>
+              <a:ext uri="{FF2B5EF4-FFF2-40B4-BE49-F238E27FC236}">
+                <a16:creationId xmlns:a16="http://schemas.microsoft.com/office/drawing/2014/main" id="{B6FE0651-54C1-9833-A104-3DB91C375CB3}"/>
+              </a:ext>
+            </a:extLst>
+          </p:cNvPr>
+          <p:cNvCxnSpPr>
+            <a:cxnSpLocks/>
+          </p:cNvCxnSpPr>
+          <p:nvPr/>
+        </p:nvCxnSpPr>
+        <p:spPr>
+          <a:xfrm flipH="1">
+            <a:off x="7291880" y="2622031"/>
+            <a:ext cx="1500567" cy="1728941"/>
+          </a:xfrm>
+          <a:prstGeom prst="straightConnector1">
+            <a:avLst/>
+          </a:prstGeom>
+          <a:noFill/>
+          <a:ln w="28575" cap="flat" cmpd="sng">
+            <a:solidFill>
+              <a:srgbClr val="000000"/>
+            </a:solidFill>
+            <a:prstDash val="solid"/>
+            <a:miter lim="400000"/>
+            <a:headEnd type="none" w="sm" len="sm"/>
+            <a:tailEnd type="stealth" w="med" len="med"/>
+          </a:ln>
+        </p:spPr>
+      </p:cxnSp>
+      <p:sp>
+        <p:nvSpPr>
+          <p:cNvPr id="15" name="Google Shape;546;p27">
+            <a:extLst>
+              <a:ext uri="{FF2B5EF4-FFF2-40B4-BE49-F238E27FC236}">
+                <a16:creationId xmlns:a16="http://schemas.microsoft.com/office/drawing/2014/main" id="{D590D163-1742-F0EA-16D9-7C4E371F4687}"/>
+              </a:ext>
+            </a:extLst>
+          </p:cNvPr>
+          <p:cNvSpPr/>
+          <p:nvPr/>
+        </p:nvSpPr>
+        <p:spPr>
+          <a:xfrm rot="1443845">
+            <a:off x="8100403" y="3133242"/>
+            <a:ext cx="267000" cy="274500"/>
+          </a:xfrm>
+          <a:prstGeom prst="roundRect">
+            <a:avLst>
+              <a:gd name="adj" fmla="val 22790"/>
+            </a:avLst>
+          </a:prstGeom>
+          <a:solidFill>
+            <a:srgbClr val="FFFC41"/>
+          </a:solidFill>
+          <a:ln w="28575" cap="flat" cmpd="sng">
+            <a:solidFill>
+              <a:srgbClr val="000000"/>
+            </a:solidFill>
+            <a:prstDash val="solid"/>
+            <a:miter lim="400000"/>
+            <a:headEnd type="none" w="sm" len="sm"/>
+            <a:tailEnd type="none" w="sm" len="sm"/>
+          </a:ln>
+        </p:spPr>
+        <p:txBody>
+          <a:bodyPr spcFirstLastPara="1" wrap="square" lIns="36150" tIns="36150" rIns="36150" bIns="36150" anchor="ctr" anchorCtr="0">
+            <a:noAutofit/>
+          </a:bodyPr>
+          <a:lstStyle/>
+          <a:p>
+            <a:pPr marL="0" marR="0" lvl="0" indent="0" algn="ctr" rtl="0">
+              <a:lnSpc>
+                <a:spcPct val="100000"/>
+              </a:lnSpc>
+              <a:spcBef>
+                <a:spcPts val="0"/>
+              </a:spcBef>
+              <a:spcAft>
+                <a:spcPts val="0"/>
+              </a:spcAft>
+              <a:buClr>
+                <a:srgbClr val="000000"/>
+              </a:buClr>
+              <a:buSzPts val="1300"/>
+              <a:buFont typeface="Arial"/>
+              <a:buNone/>
+            </a:pPr>
+            <a:r>
+              <a:rPr lang="ja" sz="1500" b="0" i="0" u="none" strike="noStrike" cap="none" dirty="0">
+                <a:solidFill>
+                  <a:srgbClr val="000000"/>
+                </a:solidFill>
+                <a:latin typeface="Arial"/>
+                <a:ea typeface="Arial"/>
+                <a:cs typeface="Arial"/>
+                <a:sym typeface="Arial"/>
+              </a:rPr>
+              <a:t>¥</a:t>
+            </a:r>
+            <a:endParaRPr sz="1200" b="0" i="0" u="none" strike="noStrike" cap="none" dirty="0">
+              <a:solidFill>
+                <a:srgbClr val="000000"/>
+              </a:solidFill>
+              <a:latin typeface="Arial"/>
+              <a:ea typeface="Arial"/>
+              <a:cs typeface="Arial"/>
+              <a:sym typeface="Arial"/>
+            </a:endParaRPr>
+          </a:p>
+        </p:txBody>
+      </p:sp>
+      <p:cxnSp>
+        <p:nvCxnSpPr>
+          <p:cNvPr id="21" name="Google Shape;512;p27">
+            <a:extLst>
+              <a:ext uri="{FF2B5EF4-FFF2-40B4-BE49-F238E27FC236}">
+                <a16:creationId xmlns:a16="http://schemas.microsoft.com/office/drawing/2014/main" id="{E12A94FA-0BFB-702E-ACB1-059AE26CA74D}"/>
+              </a:ext>
+            </a:extLst>
+          </p:cNvPr>
+          <p:cNvCxnSpPr>
+            <a:cxnSpLocks/>
+          </p:cNvCxnSpPr>
+          <p:nvPr/>
+        </p:nvCxnSpPr>
+        <p:spPr>
+          <a:xfrm flipH="1">
+            <a:off x="7497554" y="4683665"/>
+            <a:ext cx="1272525" cy="0"/>
+          </a:xfrm>
+          <a:prstGeom prst="straightConnector1">
+            <a:avLst/>
+          </a:prstGeom>
+          <a:noFill/>
+          <a:ln w="28575" cap="flat" cmpd="sng">
+            <a:solidFill>
+              <a:srgbClr val="000000"/>
+            </a:solidFill>
+            <a:prstDash val="solid"/>
+            <a:miter lim="400000"/>
+            <a:headEnd type="oval" w="lg" len="lg"/>
+            <a:tailEnd type="none" w="sm" len="sm"/>
+          </a:ln>
+        </p:spPr>
+      </p:cxnSp>
+      <p:cxnSp>
+        <p:nvCxnSpPr>
+          <p:cNvPr id="24" name="Google Shape;189;p22">
+            <a:extLst>
+              <a:ext uri="{FF2B5EF4-FFF2-40B4-BE49-F238E27FC236}">
+                <a16:creationId xmlns:a16="http://schemas.microsoft.com/office/drawing/2014/main" id="{D559F377-5C3B-3495-1020-6F1537085450}"/>
+              </a:ext>
+            </a:extLst>
+          </p:cNvPr>
+          <p:cNvCxnSpPr>
+            <a:cxnSpLocks/>
+          </p:cNvCxnSpPr>
+          <p:nvPr/>
+        </p:nvCxnSpPr>
+        <p:spPr>
+          <a:xfrm flipH="1">
+            <a:off x="7585794" y="2926373"/>
+            <a:ext cx="1347645" cy="1555564"/>
+          </a:xfrm>
+          <a:prstGeom prst="straightConnector1">
+            <a:avLst/>
+          </a:prstGeom>
+          <a:noFill/>
+          <a:ln w="28575" cap="flat" cmpd="sng">
+            <a:solidFill>
+              <a:srgbClr val="000000"/>
+            </a:solidFill>
+            <a:prstDash val="solid"/>
+            <a:miter lim="400000"/>
+            <a:headEnd type="stealth" w="med" len="med"/>
+            <a:tailEnd type="none" w="sm" len="sm"/>
+          </a:ln>
+        </p:spPr>
+      </p:cxnSp>
+      <p:sp>
+        <p:nvSpPr>
+          <p:cNvPr id="25" name="Google Shape;192;p22">
+            <a:extLst>
+              <a:ext uri="{FF2B5EF4-FFF2-40B4-BE49-F238E27FC236}">
+                <a16:creationId xmlns:a16="http://schemas.microsoft.com/office/drawing/2014/main" id="{63630221-4AFC-FE46-973E-F81E5472A229}"/>
+              </a:ext>
+            </a:extLst>
+          </p:cNvPr>
+          <p:cNvSpPr/>
+          <p:nvPr/>
+        </p:nvSpPr>
+        <p:spPr>
+          <a:xfrm rot="13191041">
+            <a:off x="8168179" y="3586044"/>
+            <a:ext cx="267000" cy="274500"/>
+          </a:xfrm>
+          <a:prstGeom prst="ellipse">
+            <a:avLst/>
+          </a:prstGeom>
+          <a:solidFill>
+            <a:srgbClr val="D4FCA9"/>
+          </a:solidFill>
+          <a:ln w="28575" cap="flat" cmpd="sng">
+            <a:solidFill>
+              <a:srgbClr val="000000"/>
+            </a:solidFill>
+            <a:prstDash val="solid"/>
+            <a:miter lim="400000"/>
+            <a:headEnd type="none" w="sm" len="sm"/>
+            <a:tailEnd type="none" w="sm" len="sm"/>
+          </a:ln>
+        </p:spPr>
+        <p:txBody>
+          <a:bodyPr spcFirstLastPara="1" wrap="square" lIns="36150" tIns="36150" rIns="36150" bIns="36150" anchor="ctr" anchorCtr="0">
+            <a:noAutofit/>
+          </a:bodyPr>
+          <a:lstStyle/>
+          <a:p>
+            <a:pPr marL="0" marR="0" lvl="0" indent="0" algn="ctr" rtl="0">
+              <a:lnSpc>
+                <a:spcPct val="100000"/>
+              </a:lnSpc>
+              <a:spcBef>
+                <a:spcPts val="0"/>
+              </a:spcBef>
+              <a:spcAft>
+                <a:spcPts val="0"/>
+              </a:spcAft>
+              <a:buClr>
+                <a:srgbClr val="000000"/>
+              </a:buClr>
+              <a:buSzPts val="3400"/>
+              <a:buFont typeface="Arial"/>
+              <a:buNone/>
+            </a:pPr>
+            <a:endParaRPr sz="3400" b="0" i="0" u="none" strike="noStrike" cap="none" dirty="0">
+              <a:solidFill>
+                <a:srgbClr val="000000"/>
+              </a:solidFill>
+              <a:latin typeface="Arial"/>
+              <a:ea typeface="Arial"/>
+              <a:cs typeface="Arial"/>
+              <a:sym typeface="Arial"/>
+            </a:endParaRPr>
+          </a:p>
+        </p:txBody>
+      </p:sp>
+      <p:sp>
+        <p:nvSpPr>
+          <p:cNvPr id="32" name="Google Shape;575;p27">
+            <a:extLst>
+              <a:ext uri="{FF2B5EF4-FFF2-40B4-BE49-F238E27FC236}">
+                <a16:creationId xmlns:a16="http://schemas.microsoft.com/office/drawing/2014/main" id="{7D081A4E-BD19-4E84-B820-EBB5C2352F38}"/>
+              </a:ext>
+            </a:extLst>
+          </p:cNvPr>
+          <p:cNvSpPr txBox="1"/>
+          <p:nvPr/>
+        </p:nvSpPr>
+        <p:spPr>
+          <a:xfrm>
+            <a:off x="7672913" y="6463335"/>
+            <a:ext cx="781378" cy="347765"/>
+          </a:xfrm>
+          <a:prstGeom prst="rect">
+            <a:avLst/>
+          </a:prstGeom>
+          <a:solidFill>
+            <a:srgbClr val="FFFFFF"/>
+          </a:solidFill>
+          <a:ln>
+            <a:noFill/>
+          </a:ln>
+        </p:spPr>
+        <p:txBody>
+          <a:bodyPr spcFirstLastPara="1" wrap="square" lIns="36150" tIns="36150" rIns="36150" bIns="36150" anchor="ctr" anchorCtr="0">
+            <a:noAutofit/>
+          </a:bodyPr>
+          <a:lstStyle/>
+          <a:p>
+            <a:pPr marL="0" marR="0" lvl="0" indent="0" algn="l" rtl="0">
+              <a:lnSpc>
+                <a:spcPct val="100000"/>
+              </a:lnSpc>
+              <a:spcBef>
+                <a:spcPts val="0"/>
+              </a:spcBef>
+              <a:spcAft>
+                <a:spcPts val="0"/>
+              </a:spcAft>
+              <a:buNone/>
+            </a:pPr>
+            <a:r>
+              <a:rPr lang="ja-JP" altLang="en-US" dirty="0"/>
+              <a:t>　飲料</a:t>
+            </a:r>
+            <a:endParaRPr sz="1400" b="0" i="0" u="none" strike="noStrike" cap="none" dirty="0">
+              <a:solidFill>
+                <a:srgbClr val="000000"/>
+              </a:solidFill>
+              <a:latin typeface="Arial"/>
+              <a:ea typeface="Arial"/>
+              <a:cs typeface="Arial"/>
+              <a:sym typeface="Arial"/>
+            </a:endParaRPr>
+          </a:p>
+        </p:txBody>
+      </p:sp>
+      <p:sp>
+        <p:nvSpPr>
+          <p:cNvPr id="33" name="Google Shape;575;p27">
+            <a:extLst>
+              <a:ext uri="{FF2B5EF4-FFF2-40B4-BE49-F238E27FC236}">
+                <a16:creationId xmlns:a16="http://schemas.microsoft.com/office/drawing/2014/main" id="{046E6EE2-69FD-2E49-D4F3-3C3ED35FD836}"/>
+              </a:ext>
+            </a:extLst>
+          </p:cNvPr>
+          <p:cNvSpPr txBox="1"/>
+          <p:nvPr/>
+        </p:nvSpPr>
+        <p:spPr>
+          <a:xfrm>
+            <a:off x="7589687" y="2634386"/>
+            <a:ext cx="864604" cy="352698"/>
+          </a:xfrm>
+          <a:prstGeom prst="rect">
+            <a:avLst/>
+          </a:prstGeom>
+          <a:solidFill>
+            <a:srgbClr val="FFFFFF"/>
+          </a:solidFill>
+          <a:ln>
+            <a:noFill/>
+          </a:ln>
+        </p:spPr>
+        <p:txBody>
+          <a:bodyPr spcFirstLastPara="1" wrap="square" lIns="36150" tIns="36150" rIns="36150" bIns="36150" anchor="ctr" anchorCtr="0">
+            <a:noAutofit/>
+          </a:bodyPr>
+          <a:lstStyle/>
+          <a:p>
+            <a:pPr marL="0" marR="0" lvl="0" indent="0" algn="l" rtl="0">
+              <a:lnSpc>
+                <a:spcPct val="100000"/>
+              </a:lnSpc>
+              <a:spcBef>
+                <a:spcPts val="0"/>
+              </a:spcBef>
+              <a:spcAft>
+                <a:spcPts val="0"/>
+              </a:spcAft>
+              <a:buNone/>
+            </a:pPr>
+            <a:r>
+              <a:rPr lang="ja-JP" altLang="en-US" dirty="0"/>
+              <a:t>　契約料</a:t>
+            </a:r>
+            <a:endParaRPr sz="1400" b="0" i="0" u="none" strike="noStrike" cap="none" dirty="0">
+              <a:solidFill>
+                <a:srgbClr val="000000"/>
+              </a:solidFill>
+              <a:latin typeface="Arial"/>
+              <a:ea typeface="Arial"/>
+              <a:cs typeface="Arial"/>
+              <a:sym typeface="Arial"/>
+            </a:endParaRPr>
+          </a:p>
+        </p:txBody>
+      </p:sp>
+      <p:sp>
+        <p:nvSpPr>
+          <p:cNvPr id="34" name="Google Shape;575;p27">
+            <a:extLst>
+              <a:ext uri="{FF2B5EF4-FFF2-40B4-BE49-F238E27FC236}">
+                <a16:creationId xmlns:a16="http://schemas.microsoft.com/office/drawing/2014/main" id="{4028B169-BD66-CF3F-E819-BEF5F21B9EEA}"/>
+              </a:ext>
+            </a:extLst>
+          </p:cNvPr>
+          <p:cNvSpPr txBox="1"/>
+          <p:nvPr/>
+        </p:nvSpPr>
+        <p:spPr>
+          <a:xfrm>
+            <a:off x="8555715" y="3505015"/>
+            <a:ext cx="671638" cy="163074"/>
+          </a:xfrm>
+          <a:prstGeom prst="rect">
+            <a:avLst/>
+          </a:prstGeom>
+          <a:solidFill>
+            <a:srgbClr val="FFFFFF"/>
+          </a:solidFill>
+          <a:ln>
+            <a:noFill/>
+          </a:ln>
+        </p:spPr>
+        <p:txBody>
+          <a:bodyPr spcFirstLastPara="1" wrap="square" lIns="36150" tIns="36150" rIns="36150" bIns="36150" anchor="ctr" anchorCtr="0">
+            <a:noAutofit/>
+          </a:bodyPr>
+          <a:lstStyle/>
+          <a:p>
+            <a:pPr marL="0" marR="0" lvl="0" indent="0" algn="l" rtl="0">
+              <a:lnSpc>
+                <a:spcPct val="100000"/>
+              </a:lnSpc>
+              <a:spcBef>
+                <a:spcPts val="0"/>
+              </a:spcBef>
+              <a:spcAft>
+                <a:spcPts val="0"/>
+              </a:spcAft>
+              <a:buNone/>
+            </a:pPr>
+            <a:r>
+              <a:rPr lang="ja-JP" altLang="en-US" dirty="0"/>
+              <a:t>　機械</a:t>
+            </a:r>
+            <a:endParaRPr sz="1400" b="0" i="0" u="none" strike="noStrike" cap="none" dirty="0">
+              <a:solidFill>
+                <a:srgbClr val="000000"/>
+              </a:solidFill>
+              <a:latin typeface="Arial"/>
+              <a:ea typeface="Arial"/>
+              <a:cs typeface="Arial"/>
+              <a:sym typeface="Arial"/>
+            </a:endParaRPr>
+          </a:p>
+        </p:txBody>
+      </p:sp>
+      <p:sp>
+        <p:nvSpPr>
+          <p:cNvPr id="35" name="Google Shape;575;p27">
+            <a:extLst>
+              <a:ext uri="{FF2B5EF4-FFF2-40B4-BE49-F238E27FC236}">
+                <a16:creationId xmlns:a16="http://schemas.microsoft.com/office/drawing/2014/main" id="{15BDFEF1-CC06-0D01-20B8-D41587AFFB2C}"/>
+              </a:ext>
+            </a:extLst>
+          </p:cNvPr>
+          <p:cNvSpPr txBox="1"/>
+          <p:nvPr/>
+        </p:nvSpPr>
+        <p:spPr>
+          <a:xfrm>
+            <a:off x="7536596" y="5138965"/>
+            <a:ext cx="1067400" cy="363300"/>
+          </a:xfrm>
+          <a:prstGeom prst="rect">
+            <a:avLst/>
+          </a:prstGeom>
+          <a:solidFill>
+            <a:srgbClr val="FFFFFF"/>
+          </a:solidFill>
+          <a:ln>
+            <a:noFill/>
+          </a:ln>
+        </p:spPr>
+        <p:txBody>
+          <a:bodyPr spcFirstLastPara="1" wrap="square" lIns="36150" tIns="36150" rIns="36150" bIns="36150" anchor="ctr" anchorCtr="0">
+            <a:noAutofit/>
+          </a:bodyPr>
+          <a:lstStyle/>
+          <a:p>
+            <a:pPr marL="0" marR="0" lvl="0" indent="0" algn="l" rtl="0">
+              <a:lnSpc>
+                <a:spcPct val="100000"/>
+              </a:lnSpc>
+              <a:spcBef>
+                <a:spcPts val="0"/>
+              </a:spcBef>
+              <a:spcAft>
+                <a:spcPts val="0"/>
+              </a:spcAft>
+              <a:buNone/>
+            </a:pPr>
+            <a:r>
+              <a:rPr lang="ja-JP" altLang="en-US" dirty="0"/>
+              <a:t>データ活用</a:t>
+            </a:r>
+            <a:endParaRPr sz="1400" b="0" i="0" u="none" strike="noStrike" cap="none" dirty="0">
+              <a:solidFill>
+                <a:srgbClr val="000000"/>
+              </a:solidFill>
+              <a:latin typeface="Arial"/>
+              <a:ea typeface="Arial"/>
+              <a:cs typeface="Arial"/>
+              <a:sym typeface="Arial"/>
+            </a:endParaRPr>
+          </a:p>
+        </p:txBody>
+      </p:sp>
+      <p:sp>
+        <p:nvSpPr>
+          <p:cNvPr id="36" name="Google Shape;555;p27">
+            <a:extLst>
+              <a:ext uri="{FF2B5EF4-FFF2-40B4-BE49-F238E27FC236}">
+                <a16:creationId xmlns:a16="http://schemas.microsoft.com/office/drawing/2014/main" id="{882E26D5-D656-5CD3-FA5F-3BDBCF627136}"/>
+              </a:ext>
+            </a:extLst>
+          </p:cNvPr>
+          <p:cNvSpPr/>
+          <p:nvPr/>
+        </p:nvSpPr>
+        <p:spPr>
+          <a:xfrm>
+            <a:off x="7176697" y="815494"/>
+            <a:ext cx="1723200" cy="700500"/>
+          </a:xfrm>
+          <a:prstGeom prst="wedgeRoundRectCallout">
+            <a:avLst>
+              <a:gd name="adj1" fmla="val -57180"/>
+              <a:gd name="adj2" fmla="val 22589"/>
+              <a:gd name="adj3" fmla="val 0"/>
+            </a:avLst>
+          </a:prstGeom>
+          <a:solidFill>
+            <a:srgbClr val="DDDDDD"/>
+          </a:solidFill>
+          <a:ln>
+            <a:noFill/>
+          </a:ln>
+        </p:spPr>
+        <p:txBody>
+          <a:bodyPr spcFirstLastPara="1" wrap="square" lIns="91425" tIns="91425" rIns="91425" bIns="91425" anchor="ctr" anchorCtr="0">
+            <a:noAutofit/>
+          </a:bodyPr>
+          <a:lstStyle/>
+          <a:p>
+            <a:pPr marL="0" marR="0" lvl="0" indent="0" algn="l" rtl="0">
+              <a:lnSpc>
+                <a:spcPct val="100000"/>
+              </a:lnSpc>
+              <a:spcBef>
+                <a:spcPts val="0"/>
+              </a:spcBef>
+              <a:spcAft>
+                <a:spcPts val="0"/>
+              </a:spcAft>
+              <a:buClr>
+                <a:srgbClr val="000000"/>
+              </a:buClr>
+              <a:buSzPts val="1400"/>
+              <a:buFont typeface="Arial"/>
+              <a:buNone/>
+            </a:pPr>
+            <a:endParaRPr sz="1400" b="0" i="0" u="none" strike="noStrike" cap="none">
+              <a:solidFill>
+                <a:srgbClr val="000000"/>
+              </a:solidFill>
+              <a:latin typeface="Arial"/>
+              <a:ea typeface="Arial"/>
+              <a:cs typeface="Arial"/>
+              <a:sym typeface="Arial"/>
+            </a:endParaRPr>
+          </a:p>
+        </p:txBody>
+      </p:sp>
+      <p:sp>
+        <p:nvSpPr>
+          <p:cNvPr id="37" name="Google Shape;556;p27">
+            <a:extLst>
+              <a:ext uri="{FF2B5EF4-FFF2-40B4-BE49-F238E27FC236}">
+                <a16:creationId xmlns:a16="http://schemas.microsoft.com/office/drawing/2014/main" id="{A2ACEC72-C32D-5E41-E3EF-47C355449685}"/>
+              </a:ext>
+            </a:extLst>
+          </p:cNvPr>
+          <p:cNvSpPr txBox="1"/>
+          <p:nvPr/>
+        </p:nvSpPr>
+        <p:spPr>
+          <a:xfrm>
+            <a:off x="7242866" y="866831"/>
+            <a:ext cx="1669500" cy="609900"/>
+          </a:xfrm>
+          <a:prstGeom prst="rect">
+            <a:avLst/>
+          </a:prstGeom>
+          <a:noFill/>
+          <a:ln>
+            <a:noFill/>
+          </a:ln>
+        </p:spPr>
+        <p:txBody>
+          <a:bodyPr spcFirstLastPara="1" wrap="square" lIns="36150" tIns="36150" rIns="36150" bIns="36150" anchor="ctr" anchorCtr="0">
+            <a:noAutofit/>
+          </a:bodyPr>
+          <a:lstStyle/>
+          <a:p>
+            <a:pPr marL="0" marR="0" lvl="0" indent="0" algn="l" rtl="0">
+              <a:lnSpc>
+                <a:spcPct val="100000"/>
+              </a:lnSpc>
+              <a:spcBef>
+                <a:spcPts val="0"/>
+              </a:spcBef>
+              <a:spcAft>
+                <a:spcPts val="0"/>
+              </a:spcAft>
+              <a:buNone/>
+            </a:pPr>
+            <a:r>
+              <a:rPr lang="ja-JP" altLang="en-US" sz="1200" dirty="0"/>
+              <a:t>月額料金で飲み放題を利用できる</a:t>
+            </a:r>
+            <a:endParaRPr sz="1200" b="0" i="0" u="none" strike="noStrike" cap="none" dirty="0">
               <a:solidFill>
                 <a:srgbClr val="000000"/>
               </a:solidFill>
@@ -22088,7 +22040,7 @@
               <a:buFont typeface="Arial"/>
               <a:buNone/>
             </a:pPr>
-            <a:endParaRPr sz="3400" b="0" i="0" u="none" strike="noStrike" cap="none">
+            <a:endParaRPr sz="3400" b="0" i="0" u="none" strike="noStrike" cap="none" dirty="0">
               <a:solidFill>
                 <a:srgbClr val="000000"/>
               </a:solidFill>
@@ -28511,7 +28463,7 @@
               <a:buNone/>
             </a:pPr>
             <a:r>
-              <a:rPr lang="ja" sz="1800" b="1" i="0" u="none" strike="noStrike" cap="none">
+              <a:rPr lang="ja" sz="1800" b="1" i="0" u="none" strike="noStrike" cap="none" dirty="0">
                 <a:solidFill>
                   <a:srgbClr val="000000"/>
                 </a:solidFill>
@@ -28522,7 +28474,35 @@
               </a:rPr>
               <a:t>利用者</a:t>
             </a:r>
-            <a:endParaRPr sz="1800" b="1" i="0" u="none" strike="noStrike" cap="none">
+            <a:endParaRPr lang="en-US" altLang="ja" sz="1800" b="1" i="0" u="none" strike="noStrike" cap="none" dirty="0">
+              <a:solidFill>
+                <a:srgbClr val="000000"/>
+              </a:solidFill>
+              <a:latin typeface="Arial"/>
+              <a:ea typeface="Arial"/>
+              <a:cs typeface="Arial"/>
+              <a:sym typeface="Arial"/>
+            </a:endParaRPr>
+          </a:p>
+          <a:p>
+            <a:pPr marL="0" marR="0" lvl="0" indent="0" algn="ctr" rtl="0">
+              <a:lnSpc>
+                <a:spcPct val="100000"/>
+              </a:lnSpc>
+              <a:spcBef>
+                <a:spcPts val="0"/>
+              </a:spcBef>
+              <a:spcAft>
+                <a:spcPts val="0"/>
+              </a:spcAft>
+              <a:buClr>
+                <a:srgbClr val="000000"/>
+              </a:buClr>
+              <a:buSzPts val="1800"/>
+              <a:buFont typeface="Arial"/>
+              <a:buNone/>
+            </a:pPr>
+            <a:endParaRPr sz="1800" b="1" i="0" u="none" strike="noStrike" cap="none" dirty="0">
               <a:solidFill>
                 <a:srgbClr val="000000"/>
               </a:solidFill>
@@ -28795,18 +28775,10 @@
               <a:buNone/>
             </a:pPr>
             <a:r>
-              <a:rPr lang="ja" sz="1800" b="1" i="0" u="none" strike="noStrike" cap="none">
-                <a:solidFill>
-                  <a:srgbClr val="000000"/>
-                </a:solidFill>
-                <a:latin typeface="Arial"/>
-                <a:ea typeface="Arial"/>
-                <a:cs typeface="Arial"/>
-                <a:sym typeface="Arial"/>
-              </a:rPr>
-              <a:t>関係会社など</a:t>
+              <a:rPr lang="ja-JP" altLang="en-US" sz="1800" b="1" dirty="0"/>
+              <a:t>飲料メーカー</a:t>
             </a:r>
-            <a:endParaRPr sz="1800" b="1" i="0" u="none" strike="noStrike" cap="none">
+            <a:endParaRPr sz="1800" b="1" i="0" u="none" strike="noStrike" cap="none" dirty="0">
               <a:solidFill>
                 <a:srgbClr val="000000"/>
               </a:solidFill>
@@ -30813,7 +30785,7 @@
               <a:buNone/>
             </a:pPr>
             <a:r>
-              <a:rPr lang="ja" sz="2200" b="0" i="0" u="none" strike="noStrike" cap="none">
+              <a:rPr lang="ja" sz="2200" b="0" i="0" u="none" strike="noStrike" cap="none" dirty="0">
                 <a:solidFill>
                   <a:srgbClr val="000000"/>
                 </a:solidFill>
@@ -30824,7 +30796,7 @@
               </a:rPr>
               <a:t>まずは中央の縦列をみる</a:t>
             </a:r>
-            <a:endParaRPr sz="2200" b="0" i="0" u="none" strike="noStrike" cap="none">
+            <a:endParaRPr sz="2200" b="0" i="0" u="none" strike="noStrike" cap="none" dirty="0">
               <a:solidFill>
                 <a:srgbClr val="000000"/>
               </a:solidFill>
@@ -32524,7 +32496,7 @@
               <a:buNone/>
             </a:pPr>
             <a:r>
-              <a:rPr lang="ja" sz="1500" b="0" i="0" u="none" strike="noStrike" cap="none">
+              <a:rPr lang="ja" sz="1500" b="0" i="0" u="none" strike="noStrike" cap="none" dirty="0">
                 <a:solidFill>
                   <a:srgbClr val="000000"/>
                 </a:solidFill>
@@ -32535,7 +32507,7 @@
               </a:rPr>
               <a:t>¥</a:t>
             </a:r>
-            <a:endParaRPr sz="1200" b="0" i="0" u="none" strike="noStrike" cap="none">
+            <a:endParaRPr sz="1200" b="0" i="0" u="none" strike="noStrike" cap="none" dirty="0">
               <a:solidFill>
                 <a:srgbClr val="000000"/>
               </a:solidFill>
@@ -32729,6 +32701,120 @@
           </a:ln>
         </p:spPr>
       </p:cxnSp>
+      <p:cxnSp>
+        <p:nvCxnSpPr>
+          <p:cNvPr id="2" name="Google Shape;159;p22">
+            <a:extLst>
+              <a:ext uri="{FF2B5EF4-FFF2-40B4-BE49-F238E27FC236}">
+                <a16:creationId xmlns:a16="http://schemas.microsoft.com/office/drawing/2014/main" id="{9D9D3678-E235-1469-339E-BEC26370418B}"/>
+              </a:ext>
+            </a:extLst>
+          </p:cNvPr>
+          <p:cNvCxnSpPr/>
+          <p:nvPr/>
+        </p:nvCxnSpPr>
+        <p:spPr>
+          <a:xfrm>
+            <a:off x="5078031" y="7398445"/>
+            <a:ext cx="1261500" cy="0"/>
+          </a:xfrm>
+          <a:prstGeom prst="straightConnector1">
+            <a:avLst/>
+          </a:prstGeom>
+          <a:noFill/>
+          <a:ln w="28575" cap="flat" cmpd="sng">
+            <a:solidFill>
+              <a:srgbClr val="000000"/>
+            </a:solidFill>
+            <a:prstDash val="solid"/>
+            <a:miter lim="400000"/>
+            <a:headEnd type="stealth" w="med" len="med"/>
+            <a:tailEnd type="none" w="sm" len="sm"/>
+          </a:ln>
+        </p:spPr>
+      </p:cxnSp>
+      <p:sp>
+        <p:nvSpPr>
+          <p:cNvPr id="3" name="Google Shape;224;p22">
+            <a:extLst>
+              <a:ext uri="{FF2B5EF4-FFF2-40B4-BE49-F238E27FC236}">
+                <a16:creationId xmlns:a16="http://schemas.microsoft.com/office/drawing/2014/main" id="{EFC7BACA-BDA1-CF28-5680-7DC23496C9D6}"/>
+              </a:ext>
+            </a:extLst>
+          </p:cNvPr>
+          <p:cNvSpPr/>
+          <p:nvPr/>
+        </p:nvSpPr>
+        <p:spPr>
+          <a:xfrm>
+            <a:off x="5575290" y="7268207"/>
+            <a:ext cx="267000" cy="274500"/>
+          </a:xfrm>
+          <a:prstGeom prst="roundRect">
+            <a:avLst>
+              <a:gd name="adj" fmla="val 22790"/>
+            </a:avLst>
+          </a:prstGeom>
+          <a:solidFill>
+            <a:srgbClr val="FFFC41"/>
+          </a:solidFill>
+          <a:ln w="28575" cap="flat" cmpd="sng">
+            <a:solidFill>
+              <a:srgbClr val="000000"/>
+            </a:solidFill>
+            <a:prstDash val="solid"/>
+            <a:miter lim="400000"/>
+            <a:headEnd type="none" w="sm" len="sm"/>
+            <a:tailEnd type="none" w="sm" len="sm"/>
+          </a:ln>
+        </p:spPr>
+        <p:txBody>
+          <a:bodyPr spcFirstLastPara="1" wrap="square" lIns="36150" tIns="36150" rIns="36150" bIns="36150" anchor="ctr" anchorCtr="0">
+            <a:noAutofit/>
+          </a:bodyPr>
+          <a:lstStyle/>
+          <a:p>
+            <a:pPr marL="0" marR="0" lvl="0" indent="0" algn="ctr" rtl="0">
+              <a:lnSpc>
+                <a:spcPct val="100000"/>
+              </a:lnSpc>
+              <a:spcBef>
+                <a:spcPts val="0"/>
+              </a:spcBef>
+              <a:spcAft>
+                <a:spcPts val="0"/>
+              </a:spcAft>
+              <a:buClr>
+                <a:srgbClr val="000000"/>
+              </a:buClr>
+              <a:buSzPts val="1300"/>
+              <a:buFont typeface="Arial"/>
+              <a:buNone/>
+            </a:pPr>
+            <a:r>
+              <a:rPr lang="ja" sz="1500" b="0" i="0" u="none" strike="noStrike" cap="none">
+                <a:solidFill>
+                  <a:srgbClr val="000000"/>
+                </a:solidFill>
+                <a:latin typeface="Arial"/>
+                <a:ea typeface="Arial"/>
+                <a:cs typeface="Arial"/>
+                <a:sym typeface="Arial"/>
+              </a:rPr>
+              <a:t>¥</a:t>
+            </a:r>
+            <a:endParaRPr sz="1200" b="0" i="0" u="none" strike="noStrike" cap="none">
+              <a:solidFill>
+                <a:srgbClr val="000000"/>
+              </a:solidFill>
+              <a:latin typeface="Arial"/>
+              <a:ea typeface="Arial"/>
+              <a:cs typeface="Arial"/>
+              <a:sym typeface="Arial"/>
+            </a:endParaRPr>
+          </a:p>
+        </p:txBody>
+      </p:sp>
     </p:spTree>
   </p:cSld>
   <p:clrMapOvr>
